--- a/Weekly Submissions/Week3/Presentation Week 3.pptx
+++ b/Weekly Submissions/Week3/Presentation Week 3.pptx
@@ -5,13 +5,17 @@
     <p:sldMasterId id="2147483672" r:id="rId1"/>
   </p:sldMasterIdLst>
   <p:notesMasterIdLst>
-    <p:notesMasterId r:id="rId6"/>
+    <p:notesMasterId r:id="rId10"/>
   </p:notesMasterIdLst>
   <p:sldIdLst>
     <p:sldId id="256" r:id="rId2"/>
     <p:sldId id="265" r:id="rId3"/>
-    <p:sldId id="266" r:id="rId4"/>
-    <p:sldId id="264" r:id="rId5"/>
+    <p:sldId id="269" r:id="rId4"/>
+    <p:sldId id="268" r:id="rId5"/>
+    <p:sldId id="267" r:id="rId6"/>
+    <p:sldId id="266" r:id="rId7"/>
+    <p:sldId id="270" r:id="rId8"/>
+    <p:sldId id="264" r:id="rId9"/>
   </p:sldIdLst>
   <p:sldSz cx="9144000" cy="6858000" type="screen4x3"/>
   <p:notesSz cx="6858000" cy="9144000"/>
@@ -211,7 +215,7 @@
           <a:p>
             <a:fld id="{28EF27FA-D92E-4C57-9439-841474EE9BF9}" type="datetimeFigureOut">
               <a:rPr lang="en-GB" smtClean="0"/>
-              <a:t>05/10/2025</a:t>
+              <a:t>08/10/2025</a:t>
             </a:fld>
             <a:endParaRPr lang="en-GB"/>
           </a:p>
@@ -612,7 +616,7 @@
           <a:p>
             <a:fld id="{5BCAD085-E8A6-8845-BD4E-CB4CCA059FC4}" type="datetimeFigureOut">
               <a:rPr lang="en-US" smtClean="0"/>
-              <a:t>10/5/2025</a:t>
+              <a:t>10/8/2025</a:t>
             </a:fld>
             <a:endParaRPr lang="en-US"/>
           </a:p>
@@ -899,7 +903,7 @@
           <a:p>
             <a:fld id="{5BCAD085-E8A6-8845-BD4E-CB4CCA059FC4}" type="datetimeFigureOut">
               <a:rPr lang="en-US" smtClean="0"/>
-              <a:t>10/5/2025</a:t>
+              <a:t>10/8/2025</a:t>
             </a:fld>
             <a:endParaRPr lang="en-US"/>
           </a:p>
@@ -1091,7 +1095,7 @@
           <a:p>
             <a:fld id="{5BCAD085-E8A6-8845-BD4E-CB4CCA059FC4}" type="datetimeFigureOut">
               <a:rPr lang="en-US" smtClean="0"/>
-              <a:t>10/5/2025</a:t>
+              <a:t>10/8/2025</a:t>
             </a:fld>
             <a:endParaRPr lang="en-US"/>
           </a:p>
@@ -1352,7 +1356,7 @@
           <a:p>
             <a:fld id="{5BCAD085-E8A6-8845-BD4E-CB4CCA059FC4}" type="datetimeFigureOut">
               <a:rPr lang="en-US" smtClean="0"/>
-              <a:t>10/5/2025</a:t>
+              <a:t>10/8/2025</a:t>
             </a:fld>
             <a:endParaRPr lang="en-US"/>
           </a:p>
@@ -1776,7 +1780,7 @@
           <a:p>
             <a:fld id="{5BCAD085-E8A6-8845-BD4E-CB4CCA059FC4}" type="datetimeFigureOut">
               <a:rPr lang="en-US" smtClean="0"/>
-              <a:t>10/5/2025</a:t>
+              <a:t>10/8/2025</a:t>
             </a:fld>
             <a:endParaRPr lang="en-US"/>
           </a:p>
@@ -2322,7 +2326,7 @@
           <a:p>
             <a:fld id="{5BCAD085-E8A6-8845-BD4E-CB4CCA059FC4}" type="datetimeFigureOut">
               <a:rPr lang="en-US" smtClean="0"/>
-              <a:t>10/5/2025</a:t>
+              <a:t>10/8/2025</a:t>
             </a:fld>
             <a:endParaRPr lang="en-US"/>
           </a:p>
@@ -3162,7 +3166,7 @@
           <a:p>
             <a:fld id="{5BCAD085-E8A6-8845-BD4E-CB4CCA059FC4}" type="datetimeFigureOut">
               <a:rPr lang="en-US" smtClean="0"/>
-              <a:t>10/5/2025</a:t>
+              <a:t>10/8/2025</a:t>
             </a:fld>
             <a:endParaRPr lang="en-US"/>
           </a:p>
@@ -3332,7 +3336,7 @@
           <a:p>
             <a:fld id="{5BCAD085-E8A6-8845-BD4E-CB4CCA059FC4}" type="datetimeFigureOut">
               <a:rPr lang="en-US" smtClean="0"/>
-              <a:t>10/5/2025</a:t>
+              <a:t>10/8/2025</a:t>
             </a:fld>
             <a:endParaRPr lang="en-US"/>
           </a:p>
@@ -3516,7 +3520,7 @@
           <a:p>
             <a:fld id="{5BCAD085-E8A6-8845-BD4E-CB4CCA059FC4}" type="datetimeFigureOut">
               <a:rPr lang="en-US" smtClean="0"/>
-              <a:t>10/5/2025</a:t>
+              <a:t>10/8/2025</a:t>
             </a:fld>
             <a:endParaRPr lang="en-US"/>
           </a:p>
@@ -3686,7 +3690,7 @@
           <a:p>
             <a:fld id="{5BCAD085-E8A6-8845-BD4E-CB4CCA059FC4}" type="datetimeFigureOut">
               <a:rPr lang="en-US" smtClean="0"/>
-              <a:t>10/5/2025</a:t>
+              <a:t>10/8/2025</a:t>
             </a:fld>
             <a:endParaRPr lang="en-US"/>
           </a:p>
@@ -3934,7 +3938,7 @@
           <a:p>
             <a:fld id="{5BCAD085-E8A6-8845-BD4E-CB4CCA059FC4}" type="datetimeFigureOut">
               <a:rPr lang="en-US" smtClean="0"/>
-              <a:t>10/5/2025</a:t>
+              <a:t>10/8/2025</a:t>
             </a:fld>
             <a:endParaRPr lang="en-US"/>
           </a:p>
@@ -4171,7 +4175,7 @@
           <a:p>
             <a:fld id="{5BCAD085-E8A6-8845-BD4E-CB4CCA059FC4}" type="datetimeFigureOut">
               <a:rPr lang="en-US" smtClean="0"/>
-              <a:t>10/5/2025</a:t>
+              <a:t>10/8/2025</a:t>
             </a:fld>
             <a:endParaRPr lang="en-US"/>
           </a:p>
@@ -4544,7 +4548,7 @@
           <a:p>
             <a:fld id="{5BCAD085-E8A6-8845-BD4E-CB4CCA059FC4}" type="datetimeFigureOut">
               <a:rPr lang="en-US" smtClean="0"/>
-              <a:t>10/5/2025</a:t>
+              <a:t>10/8/2025</a:t>
             </a:fld>
             <a:endParaRPr lang="en-US"/>
           </a:p>
@@ -4662,7 +4666,7 @@
           <a:p>
             <a:fld id="{5BCAD085-E8A6-8845-BD4E-CB4CCA059FC4}" type="datetimeFigureOut">
               <a:rPr lang="en-US" smtClean="0"/>
-              <a:t>10/5/2025</a:t>
+              <a:t>10/8/2025</a:t>
             </a:fld>
             <a:endParaRPr lang="en-US"/>
           </a:p>
@@ -4757,7 +4761,7 @@
           <a:p>
             <a:fld id="{5BCAD085-E8A6-8845-BD4E-CB4CCA059FC4}" type="datetimeFigureOut">
               <a:rPr lang="en-US" smtClean="0"/>
-              <a:t>10/5/2025</a:t>
+              <a:t>10/8/2025</a:t>
             </a:fld>
             <a:endParaRPr lang="en-US"/>
           </a:p>
@@ -5008,7 +5012,7 @@
           <a:p>
             <a:fld id="{5BCAD085-E8A6-8845-BD4E-CB4CCA059FC4}" type="datetimeFigureOut">
               <a:rPr lang="en-US" smtClean="0"/>
-              <a:t>10/5/2025</a:t>
+              <a:t>10/8/2025</a:t>
             </a:fld>
             <a:endParaRPr lang="en-US"/>
           </a:p>
@@ -5295,7 +5299,7 @@
           <a:p>
             <a:fld id="{5BCAD085-E8A6-8845-BD4E-CB4CCA059FC4}" type="datetimeFigureOut">
               <a:rPr lang="en-US" smtClean="0"/>
-              <a:t>10/5/2025</a:t>
+              <a:t>10/8/2025</a:t>
             </a:fld>
             <a:endParaRPr lang="en-US"/>
           </a:p>
@@ -5508,7 +5512,7 @@
           <a:p>
             <a:fld id="{5BCAD085-E8A6-8845-BD4E-CB4CCA059FC4}" type="datetimeFigureOut">
               <a:rPr lang="en-US" smtClean="0"/>
-              <a:t>10/5/2025</a:t>
+              <a:t>10/8/2025</a:t>
             </a:fld>
             <a:endParaRPr lang="en-US"/>
           </a:p>
@@ -6154,7 +6158,7 @@
           <a:p>
             <a:r>
               <a:rPr lang="en-US" dirty="0"/>
-              <a:t>Requirement Specification</a:t>
+              <a:t>Brief Weekly overview</a:t>
             </a:r>
             <a:endParaRPr lang="en-GB" dirty="0"/>
           </a:p>
@@ -6181,10 +6185,97 @@
           <a:bodyPr/>
           <a:lstStyle/>
           <a:p>
-            <a:endParaRPr lang="en-GB" dirty="0"/>
-          </a:p>
-        </p:txBody>
-      </p:sp>
+            <a:r>
+              <a:rPr lang="en-GB" dirty="0"/>
+              <a:t>Logo</a:t>
+            </a:r>
+          </a:p>
+          <a:p>
+            <a:r>
+              <a:rPr lang="en-GB" dirty="0"/>
+              <a:t>DB Architecture</a:t>
+            </a:r>
+            <a:endParaRPr lang="en-US" dirty="0">
+              <a:effectLst/>
+            </a:endParaRPr>
+          </a:p>
+          <a:p>
+            <a:r>
+              <a:rPr lang="en-US" dirty="0">
+                <a:effectLst/>
+              </a:rPr>
+              <a:t>F</a:t>
+            </a:r>
+            <a:r>
+              <a:rPr lang="en-GB" dirty="0" err="1">
+                <a:effectLst/>
+              </a:rPr>
+              <a:t>igma</a:t>
+            </a:r>
+            <a:r>
+              <a:rPr lang="en-GB" dirty="0">
+                <a:effectLst/>
+              </a:rPr>
+              <a:t> Design</a:t>
+            </a:r>
+          </a:p>
+          <a:p>
+            <a:r>
+              <a:rPr lang="en-GB" dirty="0">
+                <a:effectLst/>
+              </a:rPr>
+              <a:t>Login / Registrations Page</a:t>
+            </a:r>
+          </a:p>
+        </p:txBody>
+      </p:sp>
+      <p:pic>
+        <p:nvPicPr>
+          <p:cNvPr id="1042" name="Picture 18">
+            <a:extLst>
+              <a:ext uri="{FF2B5EF4-FFF2-40B4-BE49-F238E27FC236}">
+                <a16:creationId xmlns:a16="http://schemas.microsoft.com/office/drawing/2014/main" id="{BCA8B67A-1BFB-B1EA-09EB-FECA8D2C3806}"/>
+              </a:ext>
+            </a:extLst>
+          </p:cNvPr>
+          <p:cNvPicPr>
+            <a:picLocks noChangeAspect="1" noChangeArrowheads="1"/>
+          </p:cNvPicPr>
+          <p:nvPr/>
+        </p:nvPicPr>
+        <p:blipFill>
+          <a:blip r:embed="rId2">
+            <a:extLst>
+              <a:ext uri="{28A0092B-C50C-407E-A947-70E740481C1C}">
+                <a14:useLocalDpi xmlns:a14="http://schemas.microsoft.com/office/drawing/2010/main" val="0"/>
+              </a:ext>
+            </a:extLst>
+          </a:blip>
+          <a:srcRect/>
+          <a:stretch>
+            <a:fillRect/>
+          </a:stretch>
+        </p:blipFill>
+        <p:spPr bwMode="auto">
+          <a:xfrm>
+            <a:off x="6601356" y="4475761"/>
+            <a:ext cx="3418920" cy="2779712"/>
+          </a:xfrm>
+          <a:prstGeom prst="rect">
+            <a:avLst/>
+          </a:prstGeom>
+          <a:noFill/>
+          <a:extLst>
+            <a:ext uri="{909E8E84-426E-40DD-AFC4-6F175D3DCCD1}">
+              <a14:hiddenFill xmlns:a14="http://schemas.microsoft.com/office/drawing/2010/main">
+                <a:solidFill>
+                  <a:srgbClr val="FFFFFF"/>
+                </a:solidFill>
+              </a14:hiddenFill>
+            </a:ext>
+          </a:extLst>
+        </p:spPr>
+      </p:pic>
     </p:spTree>
     <p:extLst>
       <p:ext uri="{BB962C8B-B14F-4D97-AF65-F5344CB8AC3E}">
@@ -6199,6 +6290,472 @@
 </file>
 
 <file path=ppt/slides/slide3.xml><?xml version="1.0" encoding="utf-8"?>
+<p:sld xmlns:a="http://schemas.openxmlformats.org/drawingml/2006/main" xmlns:r="http://schemas.openxmlformats.org/officeDocument/2006/relationships" xmlns:p="http://schemas.openxmlformats.org/presentationml/2006/main">
+  <p:cSld>
+    <p:spTree>
+      <p:nvGrpSpPr>
+        <p:cNvPr id="1" name="">
+          <a:extLst>
+            <a:ext uri="{FF2B5EF4-FFF2-40B4-BE49-F238E27FC236}">
+              <a16:creationId xmlns:a16="http://schemas.microsoft.com/office/drawing/2014/main" id="{612016B2-484E-DDD2-3E22-6D28BC34A8FE}"/>
+            </a:ext>
+          </a:extLst>
+        </p:cNvPr>
+        <p:cNvGrpSpPr/>
+        <p:nvPr/>
+      </p:nvGrpSpPr>
+      <p:grpSpPr>
+        <a:xfrm>
+          <a:off x="0" y="0"/>
+          <a:ext cx="0" cy="0"/>
+          <a:chOff x="0" y="0"/>
+          <a:chExt cx="0" cy="0"/>
+        </a:xfrm>
+      </p:grpSpPr>
+      <p:sp>
+        <p:nvSpPr>
+          <p:cNvPr id="2" name="Title 1">
+            <a:extLst>
+              <a:ext uri="{FF2B5EF4-FFF2-40B4-BE49-F238E27FC236}">
+                <a16:creationId xmlns:a16="http://schemas.microsoft.com/office/drawing/2014/main" id="{01E969DC-33BD-C128-C93B-F741DDB4032D}"/>
+              </a:ext>
+            </a:extLst>
+          </p:cNvPr>
+          <p:cNvSpPr>
+            <a:spLocks noGrp="1"/>
+          </p:cNvSpPr>
+          <p:nvPr>
+            <p:ph type="title"/>
+          </p:nvPr>
+        </p:nvSpPr>
+        <p:spPr/>
+        <p:txBody>
+          <a:bodyPr/>
+          <a:lstStyle/>
+          <a:p>
+            <a:r>
+              <a:rPr lang="en-US" dirty="0"/>
+              <a:t>Logo Prototype</a:t>
+            </a:r>
+            <a:endParaRPr lang="en-GB" dirty="0"/>
+          </a:p>
+        </p:txBody>
+      </p:sp>
+      <p:sp>
+        <p:nvSpPr>
+          <p:cNvPr id="5" name="Rectangle: Rounded Corners 4">
+            <a:extLst>
+              <a:ext uri="{FF2B5EF4-FFF2-40B4-BE49-F238E27FC236}">
+                <a16:creationId xmlns:a16="http://schemas.microsoft.com/office/drawing/2014/main" id="{F3CCA82B-4458-AC85-E64B-7EF1BCD7C2C2}"/>
+              </a:ext>
+            </a:extLst>
+          </p:cNvPr>
+          <p:cNvSpPr/>
+          <p:nvPr/>
+        </p:nvSpPr>
+        <p:spPr>
+          <a:xfrm>
+            <a:off x="685346" y="4064000"/>
+            <a:ext cx="7912553" cy="2019300"/>
+          </a:xfrm>
+          <a:prstGeom prst="roundRect">
+            <a:avLst/>
+          </a:prstGeom>
+          <a:solidFill>
+            <a:srgbClr val="9BC6FF"/>
+          </a:solidFill>
+        </p:spPr>
+        <p:style>
+          <a:lnRef idx="2">
+            <a:schemeClr val="accent1">
+              <a:shade val="15000"/>
+            </a:schemeClr>
+          </a:lnRef>
+          <a:fillRef idx="1">
+            <a:schemeClr val="accent1"/>
+          </a:fillRef>
+          <a:effectRef idx="0">
+            <a:schemeClr val="accent1"/>
+          </a:effectRef>
+          <a:fontRef idx="minor">
+            <a:schemeClr val="lt1"/>
+          </a:fontRef>
+        </p:style>
+        <p:txBody>
+          <a:bodyPr rtlCol="0" anchor="ctr"/>
+          <a:lstStyle/>
+          <a:p>
+            <a:pPr algn="ctr"/>
+            <a:endParaRPr lang="en-GB" dirty="0"/>
+          </a:p>
+        </p:txBody>
+      </p:sp>
+      <p:pic>
+        <p:nvPicPr>
+          <p:cNvPr id="2050" name="Picture 2">
+            <a:extLst>
+              <a:ext uri="{FF2B5EF4-FFF2-40B4-BE49-F238E27FC236}">
+                <a16:creationId xmlns:a16="http://schemas.microsoft.com/office/drawing/2014/main" id="{9F951790-3722-83C5-1791-8C1E4CCF82B3}"/>
+              </a:ext>
+            </a:extLst>
+          </p:cNvPr>
+          <p:cNvPicPr>
+            <a:picLocks noChangeAspect="1" noChangeArrowheads="1"/>
+          </p:cNvPicPr>
+          <p:nvPr/>
+        </p:nvPicPr>
+        <p:blipFill>
+          <a:blip r:embed="rId2">
+            <a:extLst>
+              <a:ext uri="{28A0092B-C50C-407E-A947-70E740481C1C}">
+                <a14:useLocalDpi xmlns:a14="http://schemas.microsoft.com/office/drawing/2010/main" val="0"/>
+              </a:ext>
+            </a:extLst>
+          </a:blip>
+          <a:srcRect/>
+          <a:stretch>
+            <a:fillRect/>
+          </a:stretch>
+        </p:blipFill>
+        <p:spPr bwMode="auto">
+          <a:xfrm>
+            <a:off x="1104900" y="3953669"/>
+            <a:ext cx="2239962" cy="2239962"/>
+          </a:xfrm>
+          <a:prstGeom prst="rect">
+            <a:avLst/>
+          </a:prstGeom>
+          <a:noFill/>
+          <a:extLst>
+            <a:ext uri="{909E8E84-426E-40DD-AFC4-6F175D3DCCD1}">
+              <a14:hiddenFill xmlns:a14="http://schemas.microsoft.com/office/drawing/2010/main">
+                <a:solidFill>
+                  <a:srgbClr val="FFFFFF"/>
+                </a:solidFill>
+              </a14:hiddenFill>
+            </a:ext>
+          </a:extLst>
+        </p:spPr>
+      </p:pic>
+      <p:pic>
+        <p:nvPicPr>
+          <p:cNvPr id="9" name="Graphic 8" descr="Arrow Clockwise curve">
+            <a:extLst>
+              <a:ext uri="{FF2B5EF4-FFF2-40B4-BE49-F238E27FC236}">
+                <a16:creationId xmlns:a16="http://schemas.microsoft.com/office/drawing/2014/main" id="{B3EB207E-96C4-6BE7-77C8-D02477340A3E}"/>
+              </a:ext>
+            </a:extLst>
+          </p:cNvPr>
+          <p:cNvPicPr>
+            <a:picLocks noChangeAspect="1"/>
+          </p:cNvPicPr>
+          <p:nvPr/>
+        </p:nvPicPr>
+        <p:blipFill>
+          <a:blip r:embed="rId3">
+            <a:extLst>
+              <a:ext uri="{96DAC541-7B7A-43D3-8B79-37D633B846F1}">
+                <asvg:svgBlip xmlns:asvg="http://schemas.microsoft.com/office/drawing/2016/SVG/main" r:embed="rId4"/>
+              </a:ext>
+            </a:extLst>
+          </a:blip>
+          <a:stretch>
+            <a:fillRect/>
+          </a:stretch>
+        </p:blipFill>
+        <p:spPr>
+          <a:xfrm rot="5880770">
+            <a:off x="3823682" y="4616450"/>
+            <a:ext cx="914400" cy="914400"/>
+          </a:xfrm>
+          <a:prstGeom prst="rect">
+            <a:avLst/>
+          </a:prstGeom>
+        </p:spPr>
+      </p:pic>
+      <p:pic>
+        <p:nvPicPr>
+          <p:cNvPr id="2052" name="Picture 4">
+            <a:extLst>
+              <a:ext uri="{FF2B5EF4-FFF2-40B4-BE49-F238E27FC236}">
+                <a16:creationId xmlns:a16="http://schemas.microsoft.com/office/drawing/2014/main" id="{F3E53B9D-793C-51D8-95D0-277C129C300A}"/>
+              </a:ext>
+            </a:extLst>
+          </p:cNvPr>
+          <p:cNvPicPr>
+            <a:picLocks noChangeAspect="1" noChangeArrowheads="1"/>
+          </p:cNvPicPr>
+          <p:nvPr/>
+        </p:nvPicPr>
+        <p:blipFill>
+          <a:blip r:embed="rId5">
+            <a:extLst>
+              <a:ext uri="{28A0092B-C50C-407E-A947-70E740481C1C}">
+                <a14:useLocalDpi xmlns:a14="http://schemas.microsoft.com/office/drawing/2010/main" val="0"/>
+              </a:ext>
+            </a:extLst>
+          </a:blip>
+          <a:srcRect/>
+          <a:stretch>
+            <a:fillRect/>
+          </a:stretch>
+        </p:blipFill>
+        <p:spPr bwMode="auto">
+          <a:xfrm>
+            <a:off x="5216902" y="3866356"/>
+            <a:ext cx="2529681" cy="2529681"/>
+          </a:xfrm>
+          <a:prstGeom prst="rect">
+            <a:avLst/>
+          </a:prstGeom>
+          <a:noFill/>
+          <a:extLst>
+            <a:ext uri="{909E8E84-426E-40DD-AFC4-6F175D3DCCD1}">
+              <a14:hiddenFill xmlns:a14="http://schemas.microsoft.com/office/drawing/2010/main">
+                <a:solidFill>
+                  <a:srgbClr val="FFFFFF"/>
+                </a:solidFill>
+              </a14:hiddenFill>
+            </a:ext>
+          </a:extLst>
+        </p:spPr>
+      </p:pic>
+      <p:sp>
+        <p:nvSpPr>
+          <p:cNvPr id="10" name="TextBox 9">
+            <a:extLst>
+              <a:ext uri="{FF2B5EF4-FFF2-40B4-BE49-F238E27FC236}">
+                <a16:creationId xmlns:a16="http://schemas.microsoft.com/office/drawing/2014/main" id="{BD10D4CA-D083-FACF-4C5E-6F6441EA7C1A}"/>
+              </a:ext>
+            </a:extLst>
+          </p:cNvPr>
+          <p:cNvSpPr txBox="1"/>
+          <p:nvPr/>
+        </p:nvSpPr>
+        <p:spPr>
+          <a:xfrm>
+            <a:off x="965200" y="1935922"/>
+            <a:ext cx="7485468" cy="923330"/>
+          </a:xfrm>
+          <a:prstGeom prst="rect">
+            <a:avLst/>
+          </a:prstGeom>
+          <a:noFill/>
+        </p:spPr>
+        <p:txBody>
+          <a:bodyPr wrap="square" rtlCol="0">
+            <a:spAutoFit/>
+          </a:bodyPr>
+          <a:lstStyle/>
+          <a:p>
+            <a:pPr marL="285750" indent="-285750">
+              <a:buFontTx/>
+              <a:buChar char="-"/>
+            </a:pPr>
+            <a:r>
+              <a:rPr lang="en-US" dirty="0"/>
+              <a:t>Feedback received about initial design</a:t>
+            </a:r>
+          </a:p>
+          <a:p>
+            <a:pPr marL="285750" indent="-285750">
+              <a:buFontTx/>
+              <a:buChar char="-"/>
+            </a:pPr>
+            <a:endParaRPr lang="en-US" dirty="0"/>
+          </a:p>
+          <a:p>
+            <a:pPr marL="285750" indent="-285750">
+              <a:buFontTx/>
+              <a:buChar char="-"/>
+            </a:pPr>
+            <a:r>
+              <a:rPr lang="en-GB" dirty="0"/>
+              <a:t>Adapted centre to be more fitting for </a:t>
+            </a:r>
+            <a:r>
+              <a:rPr lang="en-GB" b="1" dirty="0"/>
+              <a:t>study</a:t>
+            </a:r>
+            <a:r>
+              <a:rPr lang="en-GB" dirty="0"/>
+              <a:t> related service</a:t>
+            </a:r>
+          </a:p>
+        </p:txBody>
+      </p:sp>
+    </p:spTree>
+    <p:extLst>
+      <p:ext uri="{BB962C8B-B14F-4D97-AF65-F5344CB8AC3E}">
+        <p14:creationId xmlns:p14="http://schemas.microsoft.com/office/powerpoint/2010/main" val="30712780"/>
+      </p:ext>
+    </p:extLst>
+  </p:cSld>
+  <p:clrMapOvr>
+    <a:masterClrMapping/>
+  </p:clrMapOvr>
+</p:sld>
+</file>
+
+<file path=ppt/slides/slide4.xml><?xml version="1.0" encoding="utf-8"?>
+<p:sld xmlns:a="http://schemas.openxmlformats.org/drawingml/2006/main" xmlns:r="http://schemas.openxmlformats.org/officeDocument/2006/relationships" xmlns:p="http://schemas.openxmlformats.org/presentationml/2006/main">
+  <p:cSld>
+    <p:spTree>
+      <p:nvGrpSpPr>
+        <p:cNvPr id="1" name="">
+          <a:extLst>
+            <a:ext uri="{FF2B5EF4-FFF2-40B4-BE49-F238E27FC236}">
+              <a16:creationId xmlns:a16="http://schemas.microsoft.com/office/drawing/2014/main" id="{D935D97C-1BAE-0C6E-F95C-4C8E34CAAF07}"/>
+            </a:ext>
+          </a:extLst>
+        </p:cNvPr>
+        <p:cNvGrpSpPr/>
+        <p:nvPr/>
+      </p:nvGrpSpPr>
+      <p:grpSpPr>
+        <a:xfrm>
+          <a:off x="0" y="0"/>
+          <a:ext cx="0" cy="0"/>
+          <a:chOff x="0" y="0"/>
+          <a:chExt cx="0" cy="0"/>
+        </a:xfrm>
+      </p:grpSpPr>
+      <p:pic>
+        <p:nvPicPr>
+          <p:cNvPr id="7" name="Content Placeholder 6">
+            <a:extLst>
+              <a:ext uri="{FF2B5EF4-FFF2-40B4-BE49-F238E27FC236}">
+                <a16:creationId xmlns:a16="http://schemas.microsoft.com/office/drawing/2014/main" id="{7EA70F8E-B36C-EE2E-1155-FE49E6AF53BB}"/>
+              </a:ext>
+            </a:extLst>
+          </p:cNvPr>
+          <p:cNvPicPr>
+            <a:picLocks noGrp="1" noChangeAspect="1"/>
+          </p:cNvPicPr>
+          <p:nvPr>
+            <p:ph idx="1"/>
+          </p:nvPr>
+        </p:nvPicPr>
+        <p:blipFill>
+          <a:blip r:embed="rId2"/>
+          <a:stretch>
+            <a:fillRect/>
+          </a:stretch>
+        </p:blipFill>
+        <p:spPr>
+          <a:xfrm>
+            <a:off x="818043" y="514350"/>
+            <a:ext cx="7507914" cy="5676899"/>
+          </a:xfrm>
+          <a:prstGeom prst="rect">
+            <a:avLst/>
+          </a:prstGeom>
+        </p:spPr>
+      </p:pic>
+    </p:spTree>
+    <p:extLst>
+      <p:ext uri="{BB962C8B-B14F-4D97-AF65-F5344CB8AC3E}">
+        <p14:creationId xmlns:p14="http://schemas.microsoft.com/office/powerpoint/2010/main" val="4148843719"/>
+      </p:ext>
+    </p:extLst>
+  </p:cSld>
+  <p:clrMapOvr>
+    <a:masterClrMapping/>
+  </p:clrMapOvr>
+</p:sld>
+</file>
+
+<file path=ppt/slides/slide5.xml><?xml version="1.0" encoding="utf-8"?>
+<p:sld xmlns:a="http://schemas.openxmlformats.org/drawingml/2006/main" xmlns:r="http://schemas.openxmlformats.org/officeDocument/2006/relationships" xmlns:p="http://schemas.openxmlformats.org/presentationml/2006/main">
+  <p:cSld>
+    <p:spTree>
+      <p:nvGrpSpPr>
+        <p:cNvPr id="1" name="">
+          <a:extLst>
+            <a:ext uri="{FF2B5EF4-FFF2-40B4-BE49-F238E27FC236}">
+              <a16:creationId xmlns:a16="http://schemas.microsoft.com/office/drawing/2014/main" id="{E3CA16D3-6441-0476-BE9E-EBAE113B6887}"/>
+            </a:ext>
+          </a:extLst>
+        </p:cNvPr>
+        <p:cNvGrpSpPr/>
+        <p:nvPr/>
+      </p:nvGrpSpPr>
+      <p:grpSpPr>
+        <a:xfrm>
+          <a:off x="0" y="0"/>
+          <a:ext cx="0" cy="0"/>
+          <a:chOff x="0" y="0"/>
+          <a:chExt cx="0" cy="0"/>
+        </a:xfrm>
+      </p:grpSpPr>
+      <p:sp>
+        <p:nvSpPr>
+          <p:cNvPr id="2" name="Title 1">
+            <a:extLst>
+              <a:ext uri="{FF2B5EF4-FFF2-40B4-BE49-F238E27FC236}">
+                <a16:creationId xmlns:a16="http://schemas.microsoft.com/office/drawing/2014/main" id="{67D83637-DDD1-B23E-E1A1-C1A02FEB74E4}"/>
+              </a:ext>
+            </a:extLst>
+          </p:cNvPr>
+          <p:cNvSpPr>
+            <a:spLocks noGrp="1"/>
+          </p:cNvSpPr>
+          <p:nvPr>
+            <p:ph type="title"/>
+          </p:nvPr>
+        </p:nvSpPr>
+        <p:spPr/>
+        <p:txBody>
+          <a:bodyPr/>
+          <a:lstStyle/>
+          <a:p>
+            <a:r>
+              <a:rPr lang="en-US" dirty="0"/>
+              <a:t>Requirement Specification</a:t>
+            </a:r>
+            <a:endParaRPr lang="en-GB" dirty="0"/>
+          </a:p>
+        </p:txBody>
+      </p:sp>
+      <p:sp>
+        <p:nvSpPr>
+          <p:cNvPr id="3" name="Content Placeholder 2">
+            <a:extLst>
+              <a:ext uri="{FF2B5EF4-FFF2-40B4-BE49-F238E27FC236}">
+                <a16:creationId xmlns:a16="http://schemas.microsoft.com/office/drawing/2014/main" id="{A271EC3D-940F-7FBA-A71B-AB1366AADDBF}"/>
+              </a:ext>
+            </a:extLst>
+          </p:cNvPr>
+          <p:cNvSpPr>
+            <a:spLocks noGrp="1"/>
+          </p:cNvSpPr>
+          <p:nvPr>
+            <p:ph idx="1"/>
+          </p:nvPr>
+        </p:nvSpPr>
+        <p:spPr/>
+        <p:txBody>
+          <a:bodyPr/>
+          <a:lstStyle/>
+          <a:p>
+            <a:endParaRPr lang="en-GB" dirty="0"/>
+          </a:p>
+        </p:txBody>
+      </p:sp>
+    </p:spTree>
+    <p:extLst>
+      <p:ext uri="{BB962C8B-B14F-4D97-AF65-F5344CB8AC3E}">
+        <p14:creationId xmlns:p14="http://schemas.microsoft.com/office/powerpoint/2010/main" val="1616613563"/>
+      </p:ext>
+    </p:extLst>
+  </p:cSld>
+  <p:clrMapOvr>
+    <a:masterClrMapping/>
+  </p:clrMapOvr>
+</p:sld>
+</file>
+
+<file path=ppt/slides/slide6.xml><?xml version="1.0" encoding="utf-8"?>
 <p:sld xmlns:a="http://schemas.openxmlformats.org/drawingml/2006/main" xmlns:r="http://schemas.openxmlformats.org/officeDocument/2006/relationships" xmlns:p="http://schemas.openxmlformats.org/presentationml/2006/main">
   <p:cSld>
     <p:spTree>
@@ -6244,7 +6801,7 @@
           <a:p>
             <a:r>
               <a:rPr lang="en-US" dirty="0"/>
-              <a:t>Software Prototype</a:t>
+              <a:t>Figma Design</a:t>
             </a:r>
             <a:endParaRPr lang="en-GB" dirty="0"/>
           </a:p>
@@ -6288,7 +6845,97 @@
 </p:sld>
 </file>
 
-<file path=ppt/slides/slide4.xml><?xml version="1.0" encoding="utf-8"?>
+<file path=ppt/slides/slide7.xml><?xml version="1.0" encoding="utf-8"?>
+<p:sld xmlns:a="http://schemas.openxmlformats.org/drawingml/2006/main" xmlns:r="http://schemas.openxmlformats.org/officeDocument/2006/relationships" xmlns:p="http://schemas.openxmlformats.org/presentationml/2006/main">
+  <p:cSld>
+    <p:spTree>
+      <p:nvGrpSpPr>
+        <p:cNvPr id="1" name="">
+          <a:extLst>
+            <a:ext uri="{FF2B5EF4-FFF2-40B4-BE49-F238E27FC236}">
+              <a16:creationId xmlns:a16="http://schemas.microsoft.com/office/drawing/2014/main" id="{84AC1D9C-22D1-1836-B7FF-80EC27A190DF}"/>
+            </a:ext>
+          </a:extLst>
+        </p:cNvPr>
+        <p:cNvGrpSpPr/>
+        <p:nvPr/>
+      </p:nvGrpSpPr>
+      <p:grpSpPr>
+        <a:xfrm>
+          <a:off x="0" y="0"/>
+          <a:ext cx="0" cy="0"/>
+          <a:chOff x="0" y="0"/>
+          <a:chExt cx="0" cy="0"/>
+        </a:xfrm>
+      </p:grpSpPr>
+      <p:sp>
+        <p:nvSpPr>
+          <p:cNvPr id="2" name="Title 1">
+            <a:extLst>
+              <a:ext uri="{FF2B5EF4-FFF2-40B4-BE49-F238E27FC236}">
+                <a16:creationId xmlns:a16="http://schemas.microsoft.com/office/drawing/2014/main" id="{34F11D9B-6CEC-C996-5EE5-601895094E38}"/>
+              </a:ext>
+            </a:extLst>
+          </p:cNvPr>
+          <p:cNvSpPr>
+            <a:spLocks noGrp="1"/>
+          </p:cNvSpPr>
+          <p:nvPr>
+            <p:ph type="title"/>
+          </p:nvPr>
+        </p:nvSpPr>
+        <p:spPr/>
+        <p:txBody>
+          <a:bodyPr/>
+          <a:lstStyle/>
+          <a:p>
+            <a:r>
+              <a:rPr lang="en-US" dirty="0"/>
+              <a:t>Registrations Page</a:t>
+            </a:r>
+            <a:endParaRPr lang="en-GB" dirty="0"/>
+          </a:p>
+        </p:txBody>
+      </p:sp>
+      <p:sp>
+        <p:nvSpPr>
+          <p:cNvPr id="3" name="Content Placeholder 2">
+            <a:extLst>
+              <a:ext uri="{FF2B5EF4-FFF2-40B4-BE49-F238E27FC236}">
+                <a16:creationId xmlns:a16="http://schemas.microsoft.com/office/drawing/2014/main" id="{0692B08F-E730-4146-6E11-ABCD4593EA8E}"/>
+              </a:ext>
+            </a:extLst>
+          </p:cNvPr>
+          <p:cNvSpPr>
+            <a:spLocks noGrp="1"/>
+          </p:cNvSpPr>
+          <p:nvPr>
+            <p:ph idx="1"/>
+          </p:nvPr>
+        </p:nvSpPr>
+        <p:spPr/>
+        <p:txBody>
+          <a:bodyPr/>
+          <a:lstStyle/>
+          <a:p>
+            <a:endParaRPr lang="en-GB" dirty="0"/>
+          </a:p>
+        </p:txBody>
+      </p:sp>
+    </p:spTree>
+    <p:extLst>
+      <p:ext uri="{BB962C8B-B14F-4D97-AF65-F5344CB8AC3E}">
+        <p14:creationId xmlns:p14="http://schemas.microsoft.com/office/powerpoint/2010/main" val="2560157698"/>
+      </p:ext>
+    </p:extLst>
+  </p:cSld>
+  <p:clrMapOvr>
+    <a:masterClrMapping/>
+  </p:clrMapOvr>
+</p:sld>
+</file>
+
+<file path=ppt/slides/slide8.xml><?xml version="1.0" encoding="utf-8"?>
 <p:sld xmlns:a="http://schemas.openxmlformats.org/drawingml/2006/main" xmlns:r="http://schemas.openxmlformats.org/officeDocument/2006/relationships" xmlns:p="http://schemas.openxmlformats.org/presentationml/2006/main">
   <p:cSld>
     <p:spTree>

--- a/Weekly Submissions/Week3/Presentation Week 3.pptx
+++ b/Weekly Submissions/Week3/Presentation Week 3.pptx
@@ -5,7 +5,7 @@
     <p:sldMasterId id="2147483672" r:id="rId1"/>
   </p:sldMasterIdLst>
   <p:notesMasterIdLst>
-    <p:notesMasterId r:id="rId10"/>
+    <p:notesMasterId r:id="rId19"/>
   </p:notesMasterIdLst>
   <p:sldIdLst>
     <p:sldId id="256" r:id="rId2"/>
@@ -13,9 +13,18 @@
     <p:sldId id="269" r:id="rId4"/>
     <p:sldId id="268" r:id="rId5"/>
     <p:sldId id="267" r:id="rId6"/>
-    <p:sldId id="266" r:id="rId7"/>
-    <p:sldId id="270" r:id="rId8"/>
-    <p:sldId id="264" r:id="rId9"/>
+    <p:sldId id="270" r:id="rId7"/>
+    <p:sldId id="275" r:id="rId8"/>
+    <p:sldId id="276" r:id="rId9"/>
+    <p:sldId id="266" r:id="rId10"/>
+    <p:sldId id="272" r:id="rId11"/>
+    <p:sldId id="273" r:id="rId12"/>
+    <p:sldId id="274" r:id="rId13"/>
+    <p:sldId id="278" r:id="rId14"/>
+    <p:sldId id="279" r:id="rId15"/>
+    <p:sldId id="280" r:id="rId16"/>
+    <p:sldId id="277" r:id="rId17"/>
+    <p:sldId id="264" r:id="rId18"/>
   </p:sldIdLst>
   <p:sldSz cx="9144000" cy="6858000" type="screen4x3"/>
   <p:notesSz cx="6858000" cy="9144000"/>
@@ -481,6 +490,90 @@
     </a:lvl9pPr>
   </p:notesStyle>
 </p:notesMaster>
+</file>
+
+<file path=ppt/notesSlides/notesSlide1.xml><?xml version="1.0" encoding="utf-8"?>
+<p:notes xmlns:a="http://schemas.openxmlformats.org/drawingml/2006/main" xmlns:r="http://schemas.openxmlformats.org/officeDocument/2006/relationships" xmlns:p="http://schemas.openxmlformats.org/presentationml/2006/main">
+  <p:cSld>
+    <p:spTree>
+      <p:nvGrpSpPr>
+        <p:cNvPr id="1" name=""/>
+        <p:cNvGrpSpPr/>
+        <p:nvPr/>
+      </p:nvGrpSpPr>
+      <p:grpSpPr>
+        <a:xfrm>
+          <a:off x="0" y="0"/>
+          <a:ext cx="0" cy="0"/>
+          <a:chOff x="0" y="0"/>
+          <a:chExt cx="0" cy="0"/>
+        </a:xfrm>
+      </p:grpSpPr>
+      <p:sp>
+        <p:nvSpPr>
+          <p:cNvPr id="2" name="Slide Image Placeholder 1"/>
+          <p:cNvSpPr>
+            <a:spLocks noGrp="1" noRot="1" noChangeAspect="1"/>
+          </p:cNvSpPr>
+          <p:nvPr>
+            <p:ph type="sldImg"/>
+          </p:nvPr>
+        </p:nvSpPr>
+        <p:spPr/>
+      </p:sp>
+      <p:sp>
+        <p:nvSpPr>
+          <p:cNvPr id="3" name="Notes Placeholder 2"/>
+          <p:cNvSpPr>
+            <a:spLocks noGrp="1"/>
+          </p:cNvSpPr>
+          <p:nvPr>
+            <p:ph type="body" idx="1"/>
+          </p:nvPr>
+        </p:nvSpPr>
+        <p:spPr/>
+        <p:txBody>
+          <a:bodyPr/>
+          <a:lstStyle/>
+          <a:p>
+            <a:endParaRPr lang="en-GB" dirty="0"/>
+          </a:p>
+        </p:txBody>
+      </p:sp>
+      <p:sp>
+        <p:nvSpPr>
+          <p:cNvPr id="4" name="Slide Number Placeholder 3"/>
+          <p:cNvSpPr>
+            <a:spLocks noGrp="1"/>
+          </p:cNvSpPr>
+          <p:nvPr>
+            <p:ph type="sldNum" sz="quarter" idx="5"/>
+          </p:nvPr>
+        </p:nvSpPr>
+        <p:spPr/>
+        <p:txBody>
+          <a:bodyPr/>
+          <a:lstStyle/>
+          <a:p>
+            <a:fld id="{49CE8135-823F-4553-9176-7E2468E87ACB}" type="slidenum">
+              <a:rPr lang="en-GB" smtClean="0"/>
+              <a:t>2</a:t>
+            </a:fld>
+            <a:endParaRPr lang="en-GB"/>
+          </a:p>
+        </p:txBody>
+      </p:sp>
+    </p:spTree>
+    <p:extLst>
+      <p:ext uri="{BB962C8B-B14F-4D97-AF65-F5344CB8AC3E}">
+        <p14:creationId xmlns:p14="http://schemas.microsoft.com/office/powerpoint/2010/main" val="3111335440"/>
+      </p:ext>
+    </p:extLst>
+  </p:cSld>
+  <p:clrMapOvr>
+    <a:masterClrMapping/>
+  </p:clrMapOvr>
+</p:notes>
 </file>
 
 <file path=ppt/slideLayouts/slideLayout1.xml><?xml version="1.0" encoding="utf-8"?>
@@ -6118,6 +6211,910 @@
 </p:sld>
 </file>
 
+<file path=ppt/slides/slide10.xml><?xml version="1.0" encoding="utf-8"?>
+<p:sld xmlns:a="http://schemas.openxmlformats.org/drawingml/2006/main" xmlns:r="http://schemas.openxmlformats.org/officeDocument/2006/relationships" xmlns:p="http://schemas.openxmlformats.org/presentationml/2006/main">
+  <p:cSld>
+    <p:spTree>
+      <p:nvGrpSpPr>
+        <p:cNvPr id="1" name="">
+          <a:extLst>
+            <a:ext uri="{FF2B5EF4-FFF2-40B4-BE49-F238E27FC236}">
+              <a16:creationId xmlns:a16="http://schemas.microsoft.com/office/drawing/2014/main" id="{AB9A3342-994E-22FC-2FA7-87BDAD968A42}"/>
+            </a:ext>
+          </a:extLst>
+        </p:cNvPr>
+        <p:cNvGrpSpPr/>
+        <p:nvPr/>
+      </p:nvGrpSpPr>
+      <p:grpSpPr>
+        <a:xfrm>
+          <a:off x="0" y="0"/>
+          <a:ext cx="0" cy="0"/>
+          <a:chOff x="0" y="0"/>
+          <a:chExt cx="0" cy="0"/>
+        </a:xfrm>
+      </p:grpSpPr>
+      <p:sp>
+        <p:nvSpPr>
+          <p:cNvPr id="2" name="Title 1">
+            <a:extLst>
+              <a:ext uri="{FF2B5EF4-FFF2-40B4-BE49-F238E27FC236}">
+                <a16:creationId xmlns:a16="http://schemas.microsoft.com/office/drawing/2014/main" id="{26D5E40D-3DD1-AB6F-D3D4-87A676848C73}"/>
+              </a:ext>
+            </a:extLst>
+          </p:cNvPr>
+          <p:cNvSpPr>
+            <a:spLocks noGrp="1"/>
+          </p:cNvSpPr>
+          <p:nvPr>
+            <p:ph type="title"/>
+          </p:nvPr>
+        </p:nvSpPr>
+        <p:spPr>
+          <a:xfrm>
+            <a:off x="617612" y="0"/>
+            <a:ext cx="7765321" cy="1326321"/>
+          </a:xfrm>
+        </p:spPr>
+        <p:txBody>
+          <a:bodyPr/>
+          <a:lstStyle/>
+          <a:p>
+            <a:r>
+              <a:rPr lang="en-US" dirty="0"/>
+              <a:t>Figma Design (Study Space)</a:t>
+            </a:r>
+            <a:endParaRPr lang="en-GB" dirty="0"/>
+          </a:p>
+        </p:txBody>
+      </p:sp>
+      <p:sp>
+        <p:nvSpPr>
+          <p:cNvPr id="3" name="Content Placeholder 2">
+            <a:extLst>
+              <a:ext uri="{FF2B5EF4-FFF2-40B4-BE49-F238E27FC236}">
+                <a16:creationId xmlns:a16="http://schemas.microsoft.com/office/drawing/2014/main" id="{52C434D2-1B8D-A9E9-5C31-A14F8DFB06D7}"/>
+              </a:ext>
+            </a:extLst>
+          </p:cNvPr>
+          <p:cNvSpPr>
+            <a:spLocks noGrp="1"/>
+          </p:cNvSpPr>
+          <p:nvPr>
+            <p:ph idx="1"/>
+          </p:nvPr>
+        </p:nvSpPr>
+        <p:spPr>
+          <a:xfrm>
+            <a:off x="617612" y="979159"/>
+            <a:ext cx="7765322" cy="3695136"/>
+          </a:xfrm>
+        </p:spPr>
+        <p:txBody>
+          <a:bodyPr/>
+          <a:lstStyle/>
+          <a:p>
+            <a:r>
+              <a:rPr lang="en-US" dirty="0"/>
+              <a:t>Study materials can be uploaded (</a:t>
+            </a:r>
+            <a:r>
+              <a:rPr lang="en-US" i="1" dirty="0"/>
+              <a:t>various types listed</a:t>
+            </a:r>
+            <a:r>
+              <a:rPr lang="en-US" dirty="0"/>
+              <a:t>)</a:t>
+            </a:r>
+          </a:p>
+          <a:p>
+            <a:r>
+              <a:rPr lang="en-US" dirty="0"/>
+              <a:t>Available material can be selected</a:t>
+            </a:r>
+          </a:p>
+          <a:p>
+            <a:r>
+              <a:rPr lang="en-US" dirty="0"/>
+              <a:t>Study Partners may also be invited</a:t>
+            </a:r>
+          </a:p>
+          <a:p>
+            <a:endParaRPr lang="en-GB" dirty="0"/>
+          </a:p>
+        </p:txBody>
+      </p:sp>
+      <p:pic>
+        <p:nvPicPr>
+          <p:cNvPr id="5" name="Picture 4">
+            <a:extLst>
+              <a:ext uri="{FF2B5EF4-FFF2-40B4-BE49-F238E27FC236}">
+                <a16:creationId xmlns:a16="http://schemas.microsoft.com/office/drawing/2014/main" id="{BFD3071E-27E2-C722-2E10-2765FCCF79A4}"/>
+              </a:ext>
+            </a:extLst>
+          </p:cNvPr>
+          <p:cNvPicPr>
+            <a:picLocks noChangeAspect="1"/>
+          </p:cNvPicPr>
+          <p:nvPr/>
+        </p:nvPicPr>
+        <p:blipFill>
+          <a:blip r:embed="rId2"/>
+          <a:srcRect/>
+          <a:stretch/>
+        </p:blipFill>
+        <p:spPr>
+          <a:xfrm>
+            <a:off x="966008" y="2445010"/>
+            <a:ext cx="7211983" cy="4252583"/>
+          </a:xfrm>
+          <a:prstGeom prst="rect">
+            <a:avLst/>
+          </a:prstGeom>
+        </p:spPr>
+      </p:pic>
+    </p:spTree>
+    <p:extLst>
+      <p:ext uri="{BB962C8B-B14F-4D97-AF65-F5344CB8AC3E}">
+        <p14:creationId xmlns:p14="http://schemas.microsoft.com/office/powerpoint/2010/main" val="4039949559"/>
+      </p:ext>
+    </p:extLst>
+  </p:cSld>
+  <p:clrMapOvr>
+    <a:masterClrMapping/>
+  </p:clrMapOvr>
+</p:sld>
+</file>
+
+<file path=ppt/slides/slide11.xml><?xml version="1.0" encoding="utf-8"?>
+<p:sld xmlns:a="http://schemas.openxmlformats.org/drawingml/2006/main" xmlns:r="http://schemas.openxmlformats.org/officeDocument/2006/relationships" xmlns:p="http://schemas.openxmlformats.org/presentationml/2006/main">
+  <p:cSld>
+    <p:spTree>
+      <p:nvGrpSpPr>
+        <p:cNvPr id="1" name="">
+          <a:extLst>
+            <a:ext uri="{FF2B5EF4-FFF2-40B4-BE49-F238E27FC236}">
+              <a16:creationId xmlns:a16="http://schemas.microsoft.com/office/drawing/2014/main" id="{287E2E21-28CA-4F7F-F6A1-DF514F71EF3B}"/>
+            </a:ext>
+          </a:extLst>
+        </p:cNvPr>
+        <p:cNvGrpSpPr/>
+        <p:nvPr/>
+      </p:nvGrpSpPr>
+      <p:grpSpPr>
+        <a:xfrm>
+          <a:off x="0" y="0"/>
+          <a:ext cx="0" cy="0"/>
+          <a:chOff x="0" y="0"/>
+          <a:chExt cx="0" cy="0"/>
+        </a:xfrm>
+      </p:grpSpPr>
+      <p:sp>
+        <p:nvSpPr>
+          <p:cNvPr id="2" name="Title 1">
+            <a:extLst>
+              <a:ext uri="{FF2B5EF4-FFF2-40B4-BE49-F238E27FC236}">
+                <a16:creationId xmlns:a16="http://schemas.microsoft.com/office/drawing/2014/main" id="{1BF55220-65CB-3F5A-ADE4-C037C0CF26F7}"/>
+              </a:ext>
+            </a:extLst>
+          </p:cNvPr>
+          <p:cNvSpPr>
+            <a:spLocks noGrp="1"/>
+          </p:cNvSpPr>
+          <p:nvPr>
+            <p:ph type="title"/>
+          </p:nvPr>
+        </p:nvSpPr>
+        <p:spPr>
+          <a:xfrm>
+            <a:off x="617612" y="0"/>
+            <a:ext cx="7765321" cy="1326321"/>
+          </a:xfrm>
+        </p:spPr>
+        <p:txBody>
+          <a:bodyPr/>
+          <a:lstStyle/>
+          <a:p>
+            <a:r>
+              <a:rPr lang="en-US" dirty="0"/>
+              <a:t>Figma Design (AI Tutor)</a:t>
+            </a:r>
+            <a:endParaRPr lang="en-GB" dirty="0"/>
+          </a:p>
+        </p:txBody>
+      </p:sp>
+      <p:pic>
+        <p:nvPicPr>
+          <p:cNvPr id="5" name="Picture 4">
+            <a:extLst>
+              <a:ext uri="{FF2B5EF4-FFF2-40B4-BE49-F238E27FC236}">
+                <a16:creationId xmlns:a16="http://schemas.microsoft.com/office/drawing/2014/main" id="{92F9A1A9-2016-A15A-D240-CE2CBAC61248}"/>
+              </a:ext>
+            </a:extLst>
+          </p:cNvPr>
+          <p:cNvPicPr>
+            <a:picLocks noChangeAspect="1"/>
+          </p:cNvPicPr>
+          <p:nvPr/>
+        </p:nvPicPr>
+        <p:blipFill>
+          <a:blip r:embed="rId2"/>
+          <a:srcRect/>
+          <a:stretch/>
+        </p:blipFill>
+        <p:spPr>
+          <a:xfrm>
+            <a:off x="1007699" y="1168400"/>
+            <a:ext cx="6985145" cy="5529193"/>
+          </a:xfrm>
+          <a:prstGeom prst="rect">
+            <a:avLst/>
+          </a:prstGeom>
+        </p:spPr>
+      </p:pic>
+    </p:spTree>
+    <p:extLst>
+      <p:ext uri="{BB962C8B-B14F-4D97-AF65-F5344CB8AC3E}">
+        <p14:creationId xmlns:p14="http://schemas.microsoft.com/office/powerpoint/2010/main" val="1275334648"/>
+      </p:ext>
+    </p:extLst>
+  </p:cSld>
+  <p:clrMapOvr>
+    <a:masterClrMapping/>
+  </p:clrMapOvr>
+</p:sld>
+</file>
+
+<file path=ppt/slides/slide12.xml><?xml version="1.0" encoding="utf-8"?>
+<p:sld xmlns:a="http://schemas.openxmlformats.org/drawingml/2006/main" xmlns:r="http://schemas.openxmlformats.org/officeDocument/2006/relationships" xmlns:p="http://schemas.openxmlformats.org/presentationml/2006/main">
+  <p:cSld>
+    <p:spTree>
+      <p:nvGrpSpPr>
+        <p:cNvPr id="1" name="">
+          <a:extLst>
+            <a:ext uri="{FF2B5EF4-FFF2-40B4-BE49-F238E27FC236}">
+              <a16:creationId xmlns:a16="http://schemas.microsoft.com/office/drawing/2014/main" id="{AD923C82-84D2-BF14-C4D5-85B519926DD3}"/>
+            </a:ext>
+          </a:extLst>
+        </p:cNvPr>
+        <p:cNvGrpSpPr/>
+        <p:nvPr/>
+      </p:nvGrpSpPr>
+      <p:grpSpPr>
+        <a:xfrm>
+          <a:off x="0" y="0"/>
+          <a:ext cx="0" cy="0"/>
+          <a:chOff x="0" y="0"/>
+          <a:chExt cx="0" cy="0"/>
+        </a:xfrm>
+      </p:grpSpPr>
+      <p:sp>
+        <p:nvSpPr>
+          <p:cNvPr id="2" name="Title 1">
+            <a:extLst>
+              <a:ext uri="{FF2B5EF4-FFF2-40B4-BE49-F238E27FC236}">
+                <a16:creationId xmlns:a16="http://schemas.microsoft.com/office/drawing/2014/main" id="{193F5806-AAEC-64C7-696B-622927052833}"/>
+              </a:ext>
+            </a:extLst>
+          </p:cNvPr>
+          <p:cNvSpPr>
+            <a:spLocks noGrp="1"/>
+          </p:cNvSpPr>
+          <p:nvPr>
+            <p:ph type="title"/>
+          </p:nvPr>
+        </p:nvSpPr>
+        <p:spPr>
+          <a:xfrm>
+            <a:off x="617612" y="0"/>
+            <a:ext cx="7765321" cy="1326321"/>
+          </a:xfrm>
+        </p:spPr>
+        <p:txBody>
+          <a:bodyPr/>
+          <a:lstStyle/>
+          <a:p>
+            <a:r>
+              <a:rPr lang="en-US" dirty="0"/>
+              <a:t>Figma Design (AI Tutor #2)</a:t>
+            </a:r>
+            <a:endParaRPr lang="en-GB" dirty="0"/>
+          </a:p>
+        </p:txBody>
+      </p:sp>
+      <p:pic>
+        <p:nvPicPr>
+          <p:cNvPr id="5" name="Picture 4">
+            <a:extLst>
+              <a:ext uri="{FF2B5EF4-FFF2-40B4-BE49-F238E27FC236}">
+                <a16:creationId xmlns:a16="http://schemas.microsoft.com/office/drawing/2014/main" id="{822EA54E-5DE5-199A-E4B2-7CE064F28B94}"/>
+              </a:ext>
+            </a:extLst>
+          </p:cNvPr>
+          <p:cNvPicPr>
+            <a:picLocks noChangeAspect="1"/>
+          </p:cNvPicPr>
+          <p:nvPr/>
+        </p:nvPicPr>
+        <p:blipFill>
+          <a:blip r:embed="rId2"/>
+          <a:srcRect/>
+          <a:stretch/>
+        </p:blipFill>
+        <p:spPr>
+          <a:xfrm>
+            <a:off x="1009412" y="1168400"/>
+            <a:ext cx="6981719" cy="5529193"/>
+          </a:xfrm>
+          <a:prstGeom prst="rect">
+            <a:avLst/>
+          </a:prstGeom>
+        </p:spPr>
+      </p:pic>
+    </p:spTree>
+    <p:extLst>
+      <p:ext uri="{BB962C8B-B14F-4D97-AF65-F5344CB8AC3E}">
+        <p14:creationId xmlns:p14="http://schemas.microsoft.com/office/powerpoint/2010/main" val="156910034"/>
+      </p:ext>
+    </p:extLst>
+  </p:cSld>
+  <p:clrMapOvr>
+    <a:masterClrMapping/>
+  </p:clrMapOvr>
+</p:sld>
+</file>
+
+<file path=ppt/slides/slide13.xml><?xml version="1.0" encoding="utf-8"?>
+<p:sld xmlns:a="http://schemas.openxmlformats.org/drawingml/2006/main" xmlns:r="http://schemas.openxmlformats.org/officeDocument/2006/relationships" xmlns:p="http://schemas.openxmlformats.org/presentationml/2006/main">
+  <p:cSld>
+    <p:spTree>
+      <p:nvGrpSpPr>
+        <p:cNvPr id="1" name="">
+          <a:extLst>
+            <a:ext uri="{FF2B5EF4-FFF2-40B4-BE49-F238E27FC236}">
+              <a16:creationId xmlns:a16="http://schemas.microsoft.com/office/drawing/2014/main" id="{C85B44F9-B6EF-7379-A5B3-2DAA68AFF248}"/>
+            </a:ext>
+          </a:extLst>
+        </p:cNvPr>
+        <p:cNvGrpSpPr/>
+        <p:nvPr/>
+      </p:nvGrpSpPr>
+      <p:grpSpPr>
+        <a:xfrm>
+          <a:off x="0" y="0"/>
+          <a:ext cx="0" cy="0"/>
+          <a:chOff x="0" y="0"/>
+          <a:chExt cx="0" cy="0"/>
+        </a:xfrm>
+      </p:grpSpPr>
+      <p:sp>
+        <p:nvSpPr>
+          <p:cNvPr id="2" name="Title 1">
+            <a:extLst>
+              <a:ext uri="{FF2B5EF4-FFF2-40B4-BE49-F238E27FC236}">
+                <a16:creationId xmlns:a16="http://schemas.microsoft.com/office/drawing/2014/main" id="{B4DC4272-97EB-D36F-8C61-6A9F6C275AF8}"/>
+              </a:ext>
+            </a:extLst>
+          </p:cNvPr>
+          <p:cNvSpPr>
+            <a:spLocks noGrp="1"/>
+          </p:cNvSpPr>
+          <p:nvPr>
+            <p:ph type="title"/>
+          </p:nvPr>
+        </p:nvSpPr>
+        <p:spPr>
+          <a:xfrm>
+            <a:off x="617612" y="0"/>
+            <a:ext cx="7765321" cy="1326321"/>
+          </a:xfrm>
+        </p:spPr>
+        <p:txBody>
+          <a:bodyPr/>
+          <a:lstStyle/>
+          <a:p>
+            <a:r>
+              <a:rPr lang="en-US" dirty="0"/>
+              <a:t>Figma Design (Mock Exam)</a:t>
+            </a:r>
+            <a:endParaRPr lang="en-GB" dirty="0"/>
+          </a:p>
+        </p:txBody>
+      </p:sp>
+      <p:pic>
+        <p:nvPicPr>
+          <p:cNvPr id="5" name="Picture 4">
+            <a:extLst>
+              <a:ext uri="{FF2B5EF4-FFF2-40B4-BE49-F238E27FC236}">
+                <a16:creationId xmlns:a16="http://schemas.microsoft.com/office/drawing/2014/main" id="{6EA15842-3803-E07B-FEFE-AC65A424936A}"/>
+              </a:ext>
+            </a:extLst>
+          </p:cNvPr>
+          <p:cNvPicPr>
+            <a:picLocks noChangeAspect="1"/>
+          </p:cNvPicPr>
+          <p:nvPr/>
+        </p:nvPicPr>
+        <p:blipFill>
+          <a:blip r:embed="rId2"/>
+          <a:srcRect/>
+          <a:stretch/>
+        </p:blipFill>
+        <p:spPr>
+          <a:xfrm>
+            <a:off x="389859" y="1671888"/>
+            <a:ext cx="8364281" cy="4938462"/>
+          </a:xfrm>
+          <a:prstGeom prst="rect">
+            <a:avLst/>
+          </a:prstGeom>
+        </p:spPr>
+      </p:pic>
+    </p:spTree>
+    <p:extLst>
+      <p:ext uri="{BB962C8B-B14F-4D97-AF65-F5344CB8AC3E}">
+        <p14:creationId xmlns:p14="http://schemas.microsoft.com/office/powerpoint/2010/main" val="4144091417"/>
+      </p:ext>
+    </p:extLst>
+  </p:cSld>
+  <p:clrMapOvr>
+    <a:masterClrMapping/>
+  </p:clrMapOvr>
+</p:sld>
+</file>
+
+<file path=ppt/slides/slide14.xml><?xml version="1.0" encoding="utf-8"?>
+<p:sld xmlns:a="http://schemas.openxmlformats.org/drawingml/2006/main" xmlns:r="http://schemas.openxmlformats.org/officeDocument/2006/relationships" xmlns:p="http://schemas.openxmlformats.org/presentationml/2006/main">
+  <p:cSld>
+    <p:spTree>
+      <p:nvGrpSpPr>
+        <p:cNvPr id="1" name="">
+          <a:extLst>
+            <a:ext uri="{FF2B5EF4-FFF2-40B4-BE49-F238E27FC236}">
+              <a16:creationId xmlns:a16="http://schemas.microsoft.com/office/drawing/2014/main" id="{4C0E3860-016B-1C90-9894-8935CC946728}"/>
+            </a:ext>
+          </a:extLst>
+        </p:cNvPr>
+        <p:cNvGrpSpPr/>
+        <p:nvPr/>
+      </p:nvGrpSpPr>
+      <p:grpSpPr>
+        <a:xfrm>
+          <a:off x="0" y="0"/>
+          <a:ext cx="0" cy="0"/>
+          <a:chOff x="0" y="0"/>
+          <a:chExt cx="0" cy="0"/>
+        </a:xfrm>
+      </p:grpSpPr>
+      <p:sp>
+        <p:nvSpPr>
+          <p:cNvPr id="2" name="Title 1">
+            <a:extLst>
+              <a:ext uri="{FF2B5EF4-FFF2-40B4-BE49-F238E27FC236}">
+                <a16:creationId xmlns:a16="http://schemas.microsoft.com/office/drawing/2014/main" id="{6D3CBAC8-66C3-2D0A-6904-13CF5FCA441B}"/>
+              </a:ext>
+            </a:extLst>
+          </p:cNvPr>
+          <p:cNvSpPr>
+            <a:spLocks noGrp="1"/>
+          </p:cNvSpPr>
+          <p:nvPr>
+            <p:ph type="title"/>
+          </p:nvPr>
+        </p:nvSpPr>
+        <p:spPr>
+          <a:xfrm>
+            <a:off x="617612" y="0"/>
+            <a:ext cx="7765321" cy="1326321"/>
+          </a:xfrm>
+        </p:spPr>
+        <p:txBody>
+          <a:bodyPr/>
+          <a:lstStyle/>
+          <a:p>
+            <a:r>
+              <a:rPr lang="en-US" dirty="0"/>
+              <a:t>Figma Design (Mock Results)</a:t>
+            </a:r>
+            <a:endParaRPr lang="en-GB" dirty="0"/>
+          </a:p>
+        </p:txBody>
+      </p:sp>
+      <p:pic>
+        <p:nvPicPr>
+          <p:cNvPr id="5" name="Picture 4">
+            <a:extLst>
+              <a:ext uri="{FF2B5EF4-FFF2-40B4-BE49-F238E27FC236}">
+                <a16:creationId xmlns:a16="http://schemas.microsoft.com/office/drawing/2014/main" id="{1C95A4C4-B082-E08E-C02B-FCD560442AC9}"/>
+              </a:ext>
+            </a:extLst>
+          </p:cNvPr>
+          <p:cNvPicPr>
+            <a:picLocks noChangeAspect="1"/>
+          </p:cNvPicPr>
+          <p:nvPr/>
+        </p:nvPicPr>
+        <p:blipFill>
+          <a:blip r:embed="rId2"/>
+          <a:srcRect t="606"/>
+          <a:stretch>
+            <a:fillRect/>
+          </a:stretch>
+        </p:blipFill>
+        <p:spPr>
+          <a:xfrm>
+            <a:off x="440462" y="1701800"/>
+            <a:ext cx="8263074" cy="4908550"/>
+          </a:xfrm>
+          <a:prstGeom prst="rect">
+            <a:avLst/>
+          </a:prstGeom>
+        </p:spPr>
+      </p:pic>
+    </p:spTree>
+    <p:extLst>
+      <p:ext uri="{BB962C8B-B14F-4D97-AF65-F5344CB8AC3E}">
+        <p14:creationId xmlns:p14="http://schemas.microsoft.com/office/powerpoint/2010/main" val="3382112225"/>
+      </p:ext>
+    </p:extLst>
+  </p:cSld>
+  <p:clrMapOvr>
+    <a:masterClrMapping/>
+  </p:clrMapOvr>
+</p:sld>
+</file>
+
+<file path=ppt/slides/slide15.xml><?xml version="1.0" encoding="utf-8"?>
+<p:sld xmlns:a="http://schemas.openxmlformats.org/drawingml/2006/main" xmlns:r="http://schemas.openxmlformats.org/officeDocument/2006/relationships" xmlns:p="http://schemas.openxmlformats.org/presentationml/2006/main">
+  <p:cSld>
+    <p:spTree>
+      <p:nvGrpSpPr>
+        <p:cNvPr id="1" name="">
+          <a:extLst>
+            <a:ext uri="{FF2B5EF4-FFF2-40B4-BE49-F238E27FC236}">
+              <a16:creationId xmlns:a16="http://schemas.microsoft.com/office/drawing/2014/main" id="{58E8E7DD-A507-EA56-456A-3794E988C143}"/>
+            </a:ext>
+          </a:extLst>
+        </p:cNvPr>
+        <p:cNvGrpSpPr/>
+        <p:nvPr/>
+      </p:nvGrpSpPr>
+      <p:grpSpPr>
+        <a:xfrm>
+          <a:off x="0" y="0"/>
+          <a:ext cx="0" cy="0"/>
+          <a:chOff x="0" y="0"/>
+          <a:chExt cx="0" cy="0"/>
+        </a:xfrm>
+      </p:grpSpPr>
+      <p:sp>
+        <p:nvSpPr>
+          <p:cNvPr id="2" name="Title 1">
+            <a:extLst>
+              <a:ext uri="{FF2B5EF4-FFF2-40B4-BE49-F238E27FC236}">
+                <a16:creationId xmlns:a16="http://schemas.microsoft.com/office/drawing/2014/main" id="{1892648D-9A0C-0621-4DB9-F495E5D5FD82}"/>
+              </a:ext>
+            </a:extLst>
+          </p:cNvPr>
+          <p:cNvSpPr>
+            <a:spLocks noGrp="1"/>
+          </p:cNvSpPr>
+          <p:nvPr>
+            <p:ph type="title"/>
+          </p:nvPr>
+        </p:nvSpPr>
+        <p:spPr>
+          <a:xfrm>
+            <a:off x="617612" y="-279400"/>
+            <a:ext cx="7765321" cy="1326321"/>
+          </a:xfrm>
+        </p:spPr>
+        <p:txBody>
+          <a:bodyPr/>
+          <a:lstStyle/>
+          <a:p>
+            <a:r>
+              <a:rPr lang="en-US" dirty="0"/>
+              <a:t>Figma Design (Achievements)</a:t>
+            </a:r>
+            <a:endParaRPr lang="en-GB" dirty="0"/>
+          </a:p>
+        </p:txBody>
+      </p:sp>
+      <p:pic>
+        <p:nvPicPr>
+          <p:cNvPr id="4" name="Picture 3">
+            <a:extLst>
+              <a:ext uri="{FF2B5EF4-FFF2-40B4-BE49-F238E27FC236}">
+                <a16:creationId xmlns:a16="http://schemas.microsoft.com/office/drawing/2014/main" id="{E4FBB860-D06E-BBCB-20A6-A5355D7E8843}"/>
+              </a:ext>
+            </a:extLst>
+          </p:cNvPr>
+          <p:cNvPicPr>
+            <a:picLocks noChangeAspect="1"/>
+          </p:cNvPicPr>
+          <p:nvPr/>
+        </p:nvPicPr>
+        <p:blipFill>
+          <a:blip r:embed="rId2"/>
+          <a:stretch>
+            <a:fillRect/>
+          </a:stretch>
+        </p:blipFill>
+        <p:spPr>
+          <a:xfrm>
+            <a:off x="1633613" y="863600"/>
+            <a:ext cx="5059288" cy="5982220"/>
+          </a:xfrm>
+          <a:prstGeom prst="rect">
+            <a:avLst/>
+          </a:prstGeom>
+        </p:spPr>
+      </p:pic>
+    </p:spTree>
+    <p:extLst>
+      <p:ext uri="{BB962C8B-B14F-4D97-AF65-F5344CB8AC3E}">
+        <p14:creationId xmlns:p14="http://schemas.microsoft.com/office/powerpoint/2010/main" val="121394366"/>
+      </p:ext>
+    </p:extLst>
+  </p:cSld>
+  <p:clrMapOvr>
+    <a:masterClrMapping/>
+  </p:clrMapOvr>
+</p:sld>
+</file>
+
+<file path=ppt/slides/slide16.xml><?xml version="1.0" encoding="utf-8"?>
+<p:sld xmlns:a="http://schemas.openxmlformats.org/drawingml/2006/main" xmlns:r="http://schemas.openxmlformats.org/officeDocument/2006/relationships" xmlns:p="http://schemas.openxmlformats.org/presentationml/2006/main">
+  <p:cSld>
+    <p:spTree>
+      <p:nvGrpSpPr>
+        <p:cNvPr id="1" name="">
+          <a:extLst>
+            <a:ext uri="{FF2B5EF4-FFF2-40B4-BE49-F238E27FC236}">
+              <a16:creationId xmlns:a16="http://schemas.microsoft.com/office/drawing/2014/main" id="{E88AC2AC-7A3D-DA3A-97DE-2FFFE06CD79A}"/>
+            </a:ext>
+          </a:extLst>
+        </p:cNvPr>
+        <p:cNvGrpSpPr/>
+        <p:nvPr/>
+      </p:nvGrpSpPr>
+      <p:grpSpPr>
+        <a:xfrm>
+          <a:off x="0" y="0"/>
+          <a:ext cx="0" cy="0"/>
+          <a:chOff x="0" y="0"/>
+          <a:chExt cx="0" cy="0"/>
+        </a:xfrm>
+      </p:grpSpPr>
+      <p:sp>
+        <p:nvSpPr>
+          <p:cNvPr id="2" name="Title 1">
+            <a:extLst>
+              <a:ext uri="{FF2B5EF4-FFF2-40B4-BE49-F238E27FC236}">
+                <a16:creationId xmlns:a16="http://schemas.microsoft.com/office/drawing/2014/main" id="{828AEBBA-B525-AD30-5B56-B3ED7E4C3F87}"/>
+              </a:ext>
+            </a:extLst>
+          </p:cNvPr>
+          <p:cNvSpPr>
+            <a:spLocks noGrp="1"/>
+          </p:cNvSpPr>
+          <p:nvPr>
+            <p:ph type="title"/>
+          </p:nvPr>
+        </p:nvSpPr>
+        <p:spPr>
+          <a:xfrm>
+            <a:off x="693335" y="-124390"/>
+            <a:ext cx="7765321" cy="1326321"/>
+          </a:xfrm>
+        </p:spPr>
+        <p:txBody>
+          <a:bodyPr>
+            <a:normAutofit/>
+          </a:bodyPr>
+          <a:lstStyle/>
+          <a:p>
+            <a:r>
+              <a:rPr lang="en-US" dirty="0"/>
+              <a:t>Figma Turned into Live code</a:t>
+            </a:r>
+            <a:endParaRPr lang="en-GB" dirty="0"/>
+          </a:p>
+        </p:txBody>
+      </p:sp>
+      <p:sp>
+        <p:nvSpPr>
+          <p:cNvPr id="3" name="Content Placeholder 2">
+            <a:extLst>
+              <a:ext uri="{FF2B5EF4-FFF2-40B4-BE49-F238E27FC236}">
+                <a16:creationId xmlns:a16="http://schemas.microsoft.com/office/drawing/2014/main" id="{0F74114B-6FC4-54D1-39BD-FC7878FC70C9}"/>
+              </a:ext>
+            </a:extLst>
+          </p:cNvPr>
+          <p:cNvSpPr>
+            <a:spLocks noGrp="1"/>
+          </p:cNvSpPr>
+          <p:nvPr>
+            <p:ph idx="1"/>
+          </p:nvPr>
+        </p:nvSpPr>
+        <p:spPr>
+          <a:xfrm>
+            <a:off x="685344" y="962588"/>
+            <a:ext cx="7765322" cy="3695136"/>
+          </a:xfrm>
+        </p:spPr>
+        <p:txBody>
+          <a:bodyPr/>
+          <a:lstStyle/>
+          <a:p>
+            <a:r>
+              <a:rPr lang="en-US" b="1" dirty="0"/>
+              <a:t>Dashboard has been structurally built</a:t>
+            </a:r>
+          </a:p>
+          <a:p>
+            <a:r>
+              <a:rPr lang="en-US" b="1" dirty="0"/>
+              <a:t>Other pages in progress</a:t>
+            </a:r>
+            <a:endParaRPr lang="en-GB" b="1" dirty="0"/>
+          </a:p>
+        </p:txBody>
+      </p:sp>
+      <p:pic>
+        <p:nvPicPr>
+          <p:cNvPr id="5" name="Picture 4">
+            <a:extLst>
+              <a:ext uri="{FF2B5EF4-FFF2-40B4-BE49-F238E27FC236}">
+                <a16:creationId xmlns:a16="http://schemas.microsoft.com/office/drawing/2014/main" id="{929AD6A1-D616-0022-4725-F2384DCD8AD6}"/>
+              </a:ext>
+            </a:extLst>
+          </p:cNvPr>
+          <p:cNvPicPr>
+            <a:picLocks noChangeAspect="1"/>
+          </p:cNvPicPr>
+          <p:nvPr/>
+        </p:nvPicPr>
+        <p:blipFill>
+          <a:blip r:embed="rId2"/>
+          <a:stretch>
+            <a:fillRect/>
+          </a:stretch>
+        </p:blipFill>
+        <p:spPr>
+          <a:xfrm>
+            <a:off x="0" y="1915625"/>
+            <a:ext cx="9144000" cy="4942375"/>
+          </a:xfrm>
+          <a:prstGeom prst="rect">
+            <a:avLst/>
+          </a:prstGeom>
+        </p:spPr>
+      </p:pic>
+    </p:spTree>
+    <p:extLst>
+      <p:ext uri="{BB962C8B-B14F-4D97-AF65-F5344CB8AC3E}">
+        <p14:creationId xmlns:p14="http://schemas.microsoft.com/office/powerpoint/2010/main" val="3131516693"/>
+      </p:ext>
+    </p:extLst>
+  </p:cSld>
+  <p:clrMapOvr>
+    <a:masterClrMapping/>
+  </p:clrMapOvr>
+</p:sld>
+</file>
+
+<file path=ppt/slides/slide17.xml><?xml version="1.0" encoding="utf-8"?>
+<p:sld xmlns:a="http://schemas.openxmlformats.org/drawingml/2006/main" xmlns:r="http://schemas.openxmlformats.org/officeDocument/2006/relationships" xmlns:p="http://schemas.openxmlformats.org/presentationml/2006/main">
+  <p:cSld>
+    <p:spTree>
+      <p:nvGrpSpPr>
+        <p:cNvPr id="1" name="">
+          <a:extLst>
+            <a:ext uri="{FF2B5EF4-FFF2-40B4-BE49-F238E27FC236}">
+              <a16:creationId xmlns:a16="http://schemas.microsoft.com/office/drawing/2014/main" id="{745ECB09-1D90-94B7-D73C-7EC08EED18A8}"/>
+            </a:ext>
+          </a:extLst>
+        </p:cNvPr>
+        <p:cNvGrpSpPr/>
+        <p:nvPr/>
+      </p:nvGrpSpPr>
+      <p:grpSpPr>
+        <a:xfrm>
+          <a:off x="0" y="0"/>
+          <a:ext cx="0" cy="0"/>
+          <a:chOff x="0" y="0"/>
+          <a:chExt cx="0" cy="0"/>
+        </a:xfrm>
+      </p:grpSpPr>
+      <p:sp>
+        <p:nvSpPr>
+          <p:cNvPr id="2" name="Title 1">
+            <a:extLst>
+              <a:ext uri="{FF2B5EF4-FFF2-40B4-BE49-F238E27FC236}">
+                <a16:creationId xmlns:a16="http://schemas.microsoft.com/office/drawing/2014/main" id="{50BEC35C-073B-171B-FB6C-B4D9F79254A9}"/>
+              </a:ext>
+            </a:extLst>
+          </p:cNvPr>
+          <p:cNvSpPr>
+            <a:spLocks noGrp="1"/>
+          </p:cNvSpPr>
+          <p:nvPr>
+            <p:ph type="title"/>
+          </p:nvPr>
+        </p:nvSpPr>
+        <p:spPr>
+          <a:xfrm>
+            <a:off x="3162314" y="567269"/>
+            <a:ext cx="3150053" cy="1326321"/>
+          </a:xfrm>
+        </p:spPr>
+        <p:txBody>
+          <a:bodyPr/>
+          <a:lstStyle/>
+          <a:p>
+            <a:r>
+              <a:rPr lang="en-US" dirty="0"/>
+              <a:t>Thank You</a:t>
+            </a:r>
+            <a:endParaRPr dirty="0"/>
+          </a:p>
+        </p:txBody>
+      </p:sp>
+      <p:sp>
+        <p:nvSpPr>
+          <p:cNvPr id="3" name="Content Placeholder 2">
+            <a:extLst>
+              <a:ext uri="{FF2B5EF4-FFF2-40B4-BE49-F238E27FC236}">
+                <a16:creationId xmlns:a16="http://schemas.microsoft.com/office/drawing/2014/main" id="{C2444B57-A428-5173-3813-88FE2A8ABB74}"/>
+              </a:ext>
+            </a:extLst>
+          </p:cNvPr>
+          <p:cNvSpPr>
+            <a:spLocks noGrp="1"/>
+          </p:cNvSpPr>
+          <p:nvPr>
+            <p:ph idx="1"/>
+          </p:nvPr>
+        </p:nvSpPr>
+        <p:spPr>
+          <a:xfrm>
+            <a:off x="854679" y="2315650"/>
+            <a:ext cx="7765322" cy="1654669"/>
+          </a:xfrm>
+        </p:spPr>
+        <p:txBody>
+          <a:bodyPr>
+            <a:normAutofit/>
+          </a:bodyPr>
+          <a:lstStyle/>
+          <a:p>
+            <a:pPr marL="0" indent="0">
+              <a:buNone/>
+            </a:pPr>
+            <a:r>
+              <a:rPr lang="en-US" sz="8000" dirty="0"/>
+              <a:t>Any Questions?</a:t>
+            </a:r>
+            <a:endParaRPr sz="8000" dirty="0"/>
+          </a:p>
+        </p:txBody>
+      </p:sp>
+    </p:spTree>
+    <p:extLst>
+      <p:ext uri="{BB962C8B-B14F-4D97-AF65-F5344CB8AC3E}">
+        <p14:creationId xmlns:p14="http://schemas.microsoft.com/office/powerpoint/2010/main" val="2064260129"/>
+      </p:ext>
+    </p:extLst>
+  </p:cSld>
+  <p:clrMapOvr>
+    <a:masterClrMapping/>
+  </p:clrMapOvr>
+</p:sld>
+</file>
+
 <file path=ppt/slides/slide2.xml><?xml version="1.0" encoding="utf-8"?>
 <p:sld xmlns:a="http://schemas.openxmlformats.org/drawingml/2006/main" xmlns:r="http://schemas.openxmlformats.org/officeDocument/2006/relationships" xmlns:p="http://schemas.openxmlformats.org/presentationml/2006/main">
   <p:cSld>
@@ -6192,8 +7189,22 @@
           </a:p>
           <a:p>
             <a:r>
-              <a:rPr lang="en-GB" dirty="0"/>
-              <a:t>DB Architecture</a:t>
+              <a:rPr lang="en-US" dirty="0"/>
+              <a:t>Retrospectives</a:t>
+            </a:r>
+          </a:p>
+          <a:p>
+            <a:r>
+              <a:rPr lang="en-US" dirty="0"/>
+              <a:t>Requirement Specification</a:t>
+            </a:r>
+          </a:p>
+          <a:p>
+            <a:r>
+              <a:rPr lang="en-GB" dirty="0">
+                <a:effectLst/>
+              </a:rPr>
+              <a:t>Login / Registrations Page</a:t>
             </a:r>
             <a:endParaRPr lang="en-US" dirty="0">
               <a:effectLst/>
@@ -6216,7 +7227,7 @@
               <a:rPr lang="en-GB" dirty="0">
                 <a:effectLst/>
               </a:rPr>
-              <a:t> Design</a:t>
+              <a:t> Design Overview</a:t>
             </a:r>
           </a:p>
           <a:p>
@@ -6224,7 +7235,7 @@
               <a:rPr lang="en-GB" dirty="0">
                 <a:effectLst/>
               </a:rPr>
-              <a:t>Login / Registrations Page</a:t>
+              <a:t>Figma Coded Version</a:t>
             </a:r>
           </a:p>
         </p:txBody>
@@ -6244,7 +7255,7 @@
           <p:nvPr/>
         </p:nvPicPr>
         <p:blipFill>
-          <a:blip r:embed="rId2">
+          <a:blip r:embed="rId3">
             <a:extLst>
               <a:ext uri="{28A0092B-C50C-407E-A947-70E740481C1C}">
                 <a14:useLocalDpi xmlns:a14="http://schemas.microsoft.com/office/drawing/2010/main" val="0"/>
@@ -6362,7 +7373,7 @@
             <a:avLst/>
           </a:prstGeom>
           <a:solidFill>
-            <a:srgbClr val="9BC6FF"/>
+            <a:srgbClr val="6C6C96"/>
           </a:solidFill>
         </p:spPr>
         <p:style>
@@ -6405,17 +7416,9 @@
           <p:nvPr/>
         </p:nvPicPr>
         <p:blipFill>
-          <a:blip r:embed="rId2">
-            <a:extLst>
-              <a:ext uri="{28A0092B-C50C-407E-A947-70E740481C1C}">
-                <a14:useLocalDpi xmlns:a14="http://schemas.microsoft.com/office/drawing/2010/main" val="0"/>
-              </a:ext>
-            </a:extLst>
-          </a:blip>
+          <a:blip r:embed="rId2"/>
           <a:srcRect/>
-          <a:stretch>
-            <a:fillRect/>
-          </a:stretch>
+          <a:stretch/>
         </p:blipFill>
         <p:spPr bwMode="auto">
           <a:xfrm>
@@ -6488,17 +7491,9 @@
           <p:nvPr/>
         </p:nvPicPr>
         <p:blipFill>
-          <a:blip r:embed="rId5">
-            <a:extLst>
-              <a:ext uri="{28A0092B-C50C-407E-A947-70E740481C1C}">
-                <a14:useLocalDpi xmlns:a14="http://schemas.microsoft.com/office/drawing/2010/main" val="0"/>
-              </a:ext>
-            </a:extLst>
-          </a:blip>
+          <a:blip r:embed="rId5"/>
           <a:srcRect/>
-          <a:stretch>
-            <a:fillRect/>
-          </a:stretch>
+          <a:stretch/>
         </p:blipFill>
         <p:spPr bwMode="auto">
           <a:xfrm>
@@ -6535,7 +7530,7 @@
         <p:spPr>
           <a:xfrm>
             <a:off x="965200" y="1935922"/>
-            <a:ext cx="7485468" cy="923330"/>
+            <a:ext cx="7485468" cy="1477328"/>
           </a:xfrm>
           <a:prstGeom prst="rect">
             <a:avLst/>
@@ -6580,6 +7575,23 @@
             <a:r>
               <a:rPr lang="en-GB" dirty="0"/>
               <a:t> related service</a:t>
+            </a:r>
+          </a:p>
+          <a:p>
+            <a:pPr marL="285750" indent="-285750">
+              <a:buFontTx/>
+              <a:buChar char="-"/>
+            </a:pPr>
+            <a:endParaRPr lang="en-GB" dirty="0"/>
+          </a:p>
+          <a:p>
+            <a:pPr marL="285750" indent="-285750">
+              <a:buFontTx/>
+              <a:buChar char="-"/>
+            </a:pPr>
+            <a:r>
+              <a:rPr lang="en-GB" dirty="0"/>
+              <a:t>Bigger companies tend to simplify logos</a:t>
             </a:r>
           </a:p>
         </p:txBody>
@@ -6738,10 +7750,44 @@
           <a:bodyPr/>
           <a:lstStyle/>
           <a:p>
+            <a:r>
+              <a:rPr lang="en-US" dirty="0"/>
+              <a:t>Brief details tba</a:t>
+            </a:r>
             <a:endParaRPr lang="en-GB" dirty="0"/>
           </a:p>
         </p:txBody>
       </p:sp>
+      <p:pic>
+        <p:nvPicPr>
+          <p:cNvPr id="6" name="Picture 5">
+            <a:extLst>
+              <a:ext uri="{FF2B5EF4-FFF2-40B4-BE49-F238E27FC236}">
+                <a16:creationId xmlns:a16="http://schemas.microsoft.com/office/drawing/2014/main" id="{46876557-B4F0-A765-0DB9-E7738403E91E}"/>
+              </a:ext>
+            </a:extLst>
+          </p:cNvPr>
+          <p:cNvPicPr>
+            <a:picLocks noChangeAspect="1"/>
+          </p:cNvPicPr>
+          <p:nvPr/>
+        </p:nvPicPr>
+        <p:blipFill>
+          <a:blip r:embed="rId2"/>
+          <a:stretch>
+            <a:fillRect/>
+          </a:stretch>
+        </p:blipFill>
+        <p:spPr>
+          <a:xfrm>
+            <a:off x="2123916" y="2700337"/>
+            <a:ext cx="4888181" cy="3814763"/>
+          </a:xfrm>
+          <a:prstGeom prst="rect">
+            <a:avLst/>
+          </a:prstGeom>
+        </p:spPr>
+      </p:pic>
     </p:spTree>
     <p:extLst>
       <p:ext uri="{BB962C8B-B14F-4D97-AF65-F5344CB8AC3E}">
@@ -6756,6 +7802,349 @@
 </file>
 
 <file path=ppt/slides/slide6.xml><?xml version="1.0" encoding="utf-8"?>
+<p:sld xmlns:a="http://schemas.openxmlformats.org/drawingml/2006/main" xmlns:r="http://schemas.openxmlformats.org/officeDocument/2006/relationships" xmlns:p="http://schemas.openxmlformats.org/presentationml/2006/main">
+  <p:cSld>
+    <p:spTree>
+      <p:nvGrpSpPr>
+        <p:cNvPr id="1" name="">
+          <a:extLst>
+            <a:ext uri="{FF2B5EF4-FFF2-40B4-BE49-F238E27FC236}">
+              <a16:creationId xmlns:a16="http://schemas.microsoft.com/office/drawing/2014/main" id="{84AC1D9C-22D1-1836-B7FF-80EC27A190DF}"/>
+            </a:ext>
+          </a:extLst>
+        </p:cNvPr>
+        <p:cNvGrpSpPr/>
+        <p:nvPr/>
+      </p:nvGrpSpPr>
+      <p:grpSpPr>
+        <a:xfrm>
+          <a:off x="0" y="0"/>
+          <a:ext cx="0" cy="0"/>
+          <a:chOff x="0" y="0"/>
+          <a:chExt cx="0" cy="0"/>
+        </a:xfrm>
+      </p:grpSpPr>
+      <p:sp>
+        <p:nvSpPr>
+          <p:cNvPr id="2" name="Title 1">
+            <a:extLst>
+              <a:ext uri="{FF2B5EF4-FFF2-40B4-BE49-F238E27FC236}">
+                <a16:creationId xmlns:a16="http://schemas.microsoft.com/office/drawing/2014/main" id="{34F11D9B-6CEC-C996-5EE5-601895094E38}"/>
+              </a:ext>
+            </a:extLst>
+          </p:cNvPr>
+          <p:cNvSpPr>
+            <a:spLocks noGrp="1"/>
+          </p:cNvSpPr>
+          <p:nvPr>
+            <p:ph type="title"/>
+          </p:nvPr>
+        </p:nvSpPr>
+        <p:spPr>
+          <a:xfrm>
+            <a:off x="694190" y="495301"/>
+            <a:ext cx="7765321" cy="1326321"/>
+          </a:xfrm>
+        </p:spPr>
+        <p:txBody>
+          <a:bodyPr/>
+          <a:lstStyle/>
+          <a:p>
+            <a:r>
+              <a:rPr lang="en-US" dirty="0"/>
+              <a:t>Registrations Page</a:t>
+            </a:r>
+            <a:endParaRPr lang="en-GB" dirty="0"/>
+          </a:p>
+        </p:txBody>
+      </p:sp>
+      <p:pic>
+        <p:nvPicPr>
+          <p:cNvPr id="9" name="Content Placeholder 8">
+            <a:extLst>
+              <a:ext uri="{FF2B5EF4-FFF2-40B4-BE49-F238E27FC236}">
+                <a16:creationId xmlns:a16="http://schemas.microsoft.com/office/drawing/2014/main" id="{D4543F3C-06EC-B436-13F9-7801D510DBBB}"/>
+              </a:ext>
+            </a:extLst>
+          </p:cNvPr>
+          <p:cNvPicPr>
+            <a:picLocks noGrp="1" noChangeAspect="1"/>
+          </p:cNvPicPr>
+          <p:nvPr>
+            <p:ph idx="1"/>
+          </p:nvPr>
+        </p:nvPicPr>
+        <p:blipFill>
+          <a:blip r:embed="rId2"/>
+          <a:stretch>
+            <a:fillRect/>
+          </a:stretch>
+        </p:blipFill>
+        <p:spPr bwMode="auto">
+          <a:xfrm>
+            <a:off x="685347" y="2942989"/>
+            <a:ext cx="7764463" cy="3507788"/>
+          </a:xfrm>
+          <a:prstGeom prst="rect">
+            <a:avLst/>
+          </a:prstGeom>
+          <a:noFill/>
+          <a:extLst>
+            <a:ext uri="{909E8E84-426E-40DD-AFC4-6F175D3DCCD1}">
+              <a14:hiddenFill xmlns:a14="http://schemas.microsoft.com/office/drawing/2010/main">
+                <a:solidFill>
+                  <a:srgbClr val="FFFFFF"/>
+                </a:solidFill>
+              </a14:hiddenFill>
+            </a:ext>
+          </a:extLst>
+        </p:spPr>
+      </p:pic>
+      <p:sp>
+        <p:nvSpPr>
+          <p:cNvPr id="11" name="TextBox 10">
+            <a:extLst>
+              <a:ext uri="{FF2B5EF4-FFF2-40B4-BE49-F238E27FC236}">
+                <a16:creationId xmlns:a16="http://schemas.microsoft.com/office/drawing/2014/main" id="{2DE90CE6-4CD2-BD87-D61D-A275D6D433F6}"/>
+              </a:ext>
+            </a:extLst>
+          </p:cNvPr>
+          <p:cNvSpPr txBox="1"/>
+          <p:nvPr/>
+        </p:nvSpPr>
+        <p:spPr>
+          <a:xfrm>
+            <a:off x="684489" y="1693333"/>
+            <a:ext cx="7764463" cy="923330"/>
+          </a:xfrm>
+          <a:prstGeom prst="rect">
+            <a:avLst/>
+          </a:prstGeom>
+          <a:noFill/>
+        </p:spPr>
+        <p:txBody>
+          <a:bodyPr wrap="square" rtlCol="0">
+            <a:spAutoFit/>
+          </a:bodyPr>
+          <a:lstStyle/>
+          <a:p>
+            <a:r>
+              <a:rPr lang="en-US" dirty="0"/>
+              <a:t>• Initial version (1.0)</a:t>
+            </a:r>
+          </a:p>
+          <a:p>
+            <a:endParaRPr lang="en-US" dirty="0"/>
+          </a:p>
+          <a:p>
+            <a:r>
+              <a:rPr lang="en-US" dirty="0"/>
+              <a:t>• </a:t>
+            </a:r>
+            <a:r>
+              <a:rPr lang="en-US" b="1" dirty="0"/>
+              <a:t>Functional</a:t>
+            </a:r>
+            <a:r>
+              <a:rPr lang="en-US" dirty="0"/>
+              <a:t>, but the interface needed to be updated</a:t>
+            </a:r>
+            <a:endParaRPr lang="en-GB" dirty="0"/>
+          </a:p>
+        </p:txBody>
+      </p:sp>
+    </p:spTree>
+    <p:extLst>
+      <p:ext uri="{BB962C8B-B14F-4D97-AF65-F5344CB8AC3E}">
+        <p14:creationId xmlns:p14="http://schemas.microsoft.com/office/powerpoint/2010/main" val="2560157698"/>
+      </p:ext>
+    </p:extLst>
+  </p:cSld>
+  <p:clrMapOvr>
+    <a:masterClrMapping/>
+  </p:clrMapOvr>
+</p:sld>
+</file>
+
+<file path=ppt/slides/slide7.xml><?xml version="1.0" encoding="utf-8"?>
+<p:sld xmlns:a="http://schemas.openxmlformats.org/drawingml/2006/main" xmlns:r="http://schemas.openxmlformats.org/officeDocument/2006/relationships" xmlns:p="http://schemas.openxmlformats.org/presentationml/2006/main">
+  <p:cSld>
+    <p:spTree>
+      <p:nvGrpSpPr>
+        <p:cNvPr id="1" name=""/>
+        <p:cNvGrpSpPr/>
+        <p:nvPr/>
+      </p:nvGrpSpPr>
+      <p:grpSpPr>
+        <a:xfrm>
+          <a:off x="0" y="0"/>
+          <a:ext cx="0" cy="0"/>
+          <a:chOff x="0" y="0"/>
+          <a:chExt cx="0" cy="0"/>
+        </a:xfrm>
+      </p:grpSpPr>
+      <p:sp>
+        <p:nvSpPr>
+          <p:cNvPr id="2" name="Title 1">
+            <a:extLst>
+              <a:ext uri="{FF2B5EF4-FFF2-40B4-BE49-F238E27FC236}">
+                <a16:creationId xmlns:a16="http://schemas.microsoft.com/office/drawing/2014/main" id="{BA0C6E7D-CDF9-B337-2FFC-CBBEDBF78D8F}"/>
+              </a:ext>
+            </a:extLst>
+          </p:cNvPr>
+          <p:cNvSpPr>
+            <a:spLocks noGrp="1"/>
+          </p:cNvSpPr>
+          <p:nvPr>
+            <p:ph type="title"/>
+          </p:nvPr>
+        </p:nvSpPr>
+        <p:spPr/>
+        <p:txBody>
+          <a:bodyPr/>
+          <a:lstStyle/>
+          <a:p>
+            <a:r>
+              <a:rPr lang="en-US" dirty="0"/>
+              <a:t>Updated Registration Page?</a:t>
+            </a:r>
+            <a:endParaRPr lang="en-GB" dirty="0"/>
+          </a:p>
+        </p:txBody>
+      </p:sp>
+      <p:sp>
+        <p:nvSpPr>
+          <p:cNvPr id="3" name="Content Placeholder 2">
+            <a:extLst>
+              <a:ext uri="{FF2B5EF4-FFF2-40B4-BE49-F238E27FC236}">
+                <a16:creationId xmlns:a16="http://schemas.microsoft.com/office/drawing/2014/main" id="{CDA57E54-97C0-F3F9-C837-F428A83B1E0A}"/>
+              </a:ext>
+            </a:extLst>
+          </p:cNvPr>
+          <p:cNvSpPr>
+            <a:spLocks noGrp="1"/>
+          </p:cNvSpPr>
+          <p:nvPr>
+            <p:ph idx="1"/>
+          </p:nvPr>
+        </p:nvSpPr>
+        <p:spPr/>
+        <p:txBody>
+          <a:bodyPr/>
+          <a:lstStyle/>
+          <a:p>
+            <a:endParaRPr lang="en-GB"/>
+          </a:p>
+        </p:txBody>
+      </p:sp>
+    </p:spTree>
+    <p:extLst>
+      <p:ext uri="{BB962C8B-B14F-4D97-AF65-F5344CB8AC3E}">
+        <p14:creationId xmlns:p14="http://schemas.microsoft.com/office/powerpoint/2010/main" val="3153742553"/>
+      </p:ext>
+    </p:extLst>
+  </p:cSld>
+  <p:clrMapOvr>
+    <a:masterClrMapping/>
+  </p:clrMapOvr>
+</p:sld>
+</file>
+
+<file path=ppt/slides/slide8.xml><?xml version="1.0" encoding="utf-8"?>
+<p:sld xmlns:a="http://schemas.openxmlformats.org/drawingml/2006/main" xmlns:r="http://schemas.openxmlformats.org/officeDocument/2006/relationships" xmlns:p="http://schemas.openxmlformats.org/presentationml/2006/main">
+  <p:cSld>
+    <p:spTree>
+      <p:nvGrpSpPr>
+        <p:cNvPr id="1" name="">
+          <a:extLst>
+            <a:ext uri="{FF2B5EF4-FFF2-40B4-BE49-F238E27FC236}">
+              <a16:creationId xmlns:a16="http://schemas.microsoft.com/office/drawing/2014/main" id="{EACE640F-0E17-9B6E-CE63-A063886B77D9}"/>
+            </a:ext>
+          </a:extLst>
+        </p:cNvPr>
+        <p:cNvGrpSpPr/>
+        <p:nvPr/>
+      </p:nvGrpSpPr>
+      <p:grpSpPr>
+        <a:xfrm>
+          <a:off x="0" y="0"/>
+          <a:ext cx="0" cy="0"/>
+          <a:chOff x="0" y="0"/>
+          <a:chExt cx="0" cy="0"/>
+        </a:xfrm>
+      </p:grpSpPr>
+      <p:sp>
+        <p:nvSpPr>
+          <p:cNvPr id="2" name="Title 1">
+            <a:extLst>
+              <a:ext uri="{FF2B5EF4-FFF2-40B4-BE49-F238E27FC236}">
+                <a16:creationId xmlns:a16="http://schemas.microsoft.com/office/drawing/2014/main" id="{D596176F-B573-72DD-CA7A-EA557314DDE8}"/>
+              </a:ext>
+            </a:extLst>
+          </p:cNvPr>
+          <p:cNvSpPr>
+            <a:spLocks noGrp="1"/>
+          </p:cNvSpPr>
+          <p:nvPr>
+            <p:ph type="title"/>
+          </p:nvPr>
+        </p:nvSpPr>
+        <p:spPr/>
+        <p:txBody>
+          <a:bodyPr/>
+          <a:lstStyle/>
+          <a:p>
+            <a:r>
+              <a:rPr lang="en-US" dirty="0"/>
+              <a:t>Registrations Page Details</a:t>
+            </a:r>
+            <a:endParaRPr lang="en-GB" dirty="0"/>
+          </a:p>
+        </p:txBody>
+      </p:sp>
+      <p:sp>
+        <p:nvSpPr>
+          <p:cNvPr id="3" name="Content Placeholder 2">
+            <a:extLst>
+              <a:ext uri="{FF2B5EF4-FFF2-40B4-BE49-F238E27FC236}">
+                <a16:creationId xmlns:a16="http://schemas.microsoft.com/office/drawing/2014/main" id="{D7466655-9F76-BF8F-6747-6A6291E3805F}"/>
+              </a:ext>
+            </a:extLst>
+          </p:cNvPr>
+          <p:cNvSpPr>
+            <a:spLocks noGrp="1"/>
+          </p:cNvSpPr>
+          <p:nvPr>
+            <p:ph idx="1"/>
+          </p:nvPr>
+        </p:nvSpPr>
+        <p:spPr/>
+        <p:txBody>
+          <a:bodyPr/>
+          <a:lstStyle/>
+          <a:p>
+            <a:r>
+              <a:rPr lang="en-US" dirty="0"/>
+              <a:t>Some details of what's used.</a:t>
+            </a:r>
+            <a:endParaRPr lang="en-GB" dirty="0"/>
+          </a:p>
+        </p:txBody>
+      </p:sp>
+    </p:spTree>
+    <p:extLst>
+      <p:ext uri="{BB962C8B-B14F-4D97-AF65-F5344CB8AC3E}">
+        <p14:creationId xmlns:p14="http://schemas.microsoft.com/office/powerpoint/2010/main" val="3822500871"/>
+      </p:ext>
+    </p:extLst>
+  </p:cSld>
+  <p:clrMapOvr>
+    <a:masterClrMapping/>
+  </p:clrMapOvr>
+</p:sld>
+</file>
+
+<file path=ppt/slides/slide9.xml><?xml version="1.0" encoding="utf-8"?>
 <p:sld xmlns:a="http://schemas.openxmlformats.org/drawingml/2006/main" xmlns:r="http://schemas.openxmlformats.org/officeDocument/2006/relationships" xmlns:p="http://schemas.openxmlformats.org/presentationml/2006/main">
   <p:cSld>
     <p:spTree>
@@ -6794,14 +8183,19 @@
             <p:ph type="title"/>
           </p:nvPr>
         </p:nvSpPr>
-        <p:spPr/>
+        <p:spPr>
+          <a:xfrm>
+            <a:off x="426475" y="61091"/>
+            <a:ext cx="7765321" cy="1326321"/>
+          </a:xfrm>
+        </p:spPr>
         <p:txBody>
           <a:bodyPr/>
           <a:lstStyle/>
           <a:p>
             <a:r>
               <a:rPr lang="en-US" dirty="0"/>
-              <a:t>Figma Design</a:t>
+              <a:t>Figma Design (Dashboard)</a:t>
             </a:r>
             <a:endParaRPr lang="en-GB" dirty="0"/>
           </a:p>
@@ -6823,218 +8217,74 @@
             <p:ph idx="1"/>
           </p:nvPr>
         </p:nvSpPr>
-        <p:spPr/>
-        <p:txBody>
-          <a:bodyPr/>
-          <a:lstStyle/>
+        <p:spPr>
+          <a:xfrm>
+            <a:off x="617611" y="1137910"/>
+            <a:ext cx="7765322" cy="3695136"/>
+          </a:xfrm>
+        </p:spPr>
+        <p:txBody>
+          <a:bodyPr/>
+          <a:lstStyle/>
+          <a:p>
+            <a:r>
+              <a:rPr lang="en-US" dirty="0"/>
+              <a:t>Figma design is now updated with a sleeker interface</a:t>
+            </a:r>
+          </a:p>
+          <a:p>
+            <a:r>
+              <a:rPr lang="en-US" dirty="0"/>
+              <a:t>More neutral </a:t>
+            </a:r>
+            <a:r>
+              <a:rPr lang="en-US" dirty="0" err="1"/>
+              <a:t>colour</a:t>
+            </a:r>
+            <a:r>
+              <a:rPr lang="en-US" dirty="0"/>
+              <a:t> scheme </a:t>
+            </a:r>
+          </a:p>
           <a:p>
             <a:endParaRPr lang="en-GB" dirty="0"/>
           </a:p>
         </p:txBody>
       </p:sp>
+      <p:pic>
+        <p:nvPicPr>
+          <p:cNvPr id="5" name="Picture 4">
+            <a:extLst>
+              <a:ext uri="{FF2B5EF4-FFF2-40B4-BE49-F238E27FC236}">
+                <a16:creationId xmlns:a16="http://schemas.microsoft.com/office/drawing/2014/main" id="{7A014B8E-7610-1E8B-5C5E-39B9F1B9CA4D}"/>
+              </a:ext>
+            </a:extLst>
+          </p:cNvPr>
+          <p:cNvPicPr>
+            <a:picLocks noChangeAspect="1"/>
+          </p:cNvPicPr>
+          <p:nvPr/>
+        </p:nvPicPr>
+        <p:blipFill>
+          <a:blip r:embed="rId2"/>
+          <a:stretch>
+            <a:fillRect/>
+          </a:stretch>
+        </p:blipFill>
+        <p:spPr>
+          <a:xfrm>
+            <a:off x="952203" y="2430363"/>
+            <a:ext cx="7239593" cy="4281879"/>
+          </a:xfrm>
+          <a:prstGeom prst="rect">
+            <a:avLst/>
+          </a:prstGeom>
+        </p:spPr>
+      </p:pic>
     </p:spTree>
     <p:extLst>
       <p:ext uri="{BB962C8B-B14F-4D97-AF65-F5344CB8AC3E}">
         <p14:creationId xmlns:p14="http://schemas.microsoft.com/office/powerpoint/2010/main" val="3367815242"/>
-      </p:ext>
-    </p:extLst>
-  </p:cSld>
-  <p:clrMapOvr>
-    <a:masterClrMapping/>
-  </p:clrMapOvr>
-</p:sld>
-</file>
-
-<file path=ppt/slides/slide7.xml><?xml version="1.0" encoding="utf-8"?>
-<p:sld xmlns:a="http://schemas.openxmlformats.org/drawingml/2006/main" xmlns:r="http://schemas.openxmlformats.org/officeDocument/2006/relationships" xmlns:p="http://schemas.openxmlformats.org/presentationml/2006/main">
-  <p:cSld>
-    <p:spTree>
-      <p:nvGrpSpPr>
-        <p:cNvPr id="1" name="">
-          <a:extLst>
-            <a:ext uri="{FF2B5EF4-FFF2-40B4-BE49-F238E27FC236}">
-              <a16:creationId xmlns:a16="http://schemas.microsoft.com/office/drawing/2014/main" id="{84AC1D9C-22D1-1836-B7FF-80EC27A190DF}"/>
-            </a:ext>
-          </a:extLst>
-        </p:cNvPr>
-        <p:cNvGrpSpPr/>
-        <p:nvPr/>
-      </p:nvGrpSpPr>
-      <p:grpSpPr>
-        <a:xfrm>
-          <a:off x="0" y="0"/>
-          <a:ext cx="0" cy="0"/>
-          <a:chOff x="0" y="0"/>
-          <a:chExt cx="0" cy="0"/>
-        </a:xfrm>
-      </p:grpSpPr>
-      <p:sp>
-        <p:nvSpPr>
-          <p:cNvPr id="2" name="Title 1">
-            <a:extLst>
-              <a:ext uri="{FF2B5EF4-FFF2-40B4-BE49-F238E27FC236}">
-                <a16:creationId xmlns:a16="http://schemas.microsoft.com/office/drawing/2014/main" id="{34F11D9B-6CEC-C996-5EE5-601895094E38}"/>
-              </a:ext>
-            </a:extLst>
-          </p:cNvPr>
-          <p:cNvSpPr>
-            <a:spLocks noGrp="1"/>
-          </p:cNvSpPr>
-          <p:nvPr>
-            <p:ph type="title"/>
-          </p:nvPr>
-        </p:nvSpPr>
-        <p:spPr/>
-        <p:txBody>
-          <a:bodyPr/>
-          <a:lstStyle/>
-          <a:p>
-            <a:r>
-              <a:rPr lang="en-US" dirty="0"/>
-              <a:t>Registrations Page</a:t>
-            </a:r>
-            <a:endParaRPr lang="en-GB" dirty="0"/>
-          </a:p>
-        </p:txBody>
-      </p:sp>
-      <p:sp>
-        <p:nvSpPr>
-          <p:cNvPr id="3" name="Content Placeholder 2">
-            <a:extLst>
-              <a:ext uri="{FF2B5EF4-FFF2-40B4-BE49-F238E27FC236}">
-                <a16:creationId xmlns:a16="http://schemas.microsoft.com/office/drawing/2014/main" id="{0692B08F-E730-4146-6E11-ABCD4593EA8E}"/>
-              </a:ext>
-            </a:extLst>
-          </p:cNvPr>
-          <p:cNvSpPr>
-            <a:spLocks noGrp="1"/>
-          </p:cNvSpPr>
-          <p:nvPr>
-            <p:ph idx="1"/>
-          </p:nvPr>
-        </p:nvSpPr>
-        <p:spPr/>
-        <p:txBody>
-          <a:bodyPr/>
-          <a:lstStyle/>
-          <a:p>
-            <a:endParaRPr lang="en-GB" dirty="0"/>
-          </a:p>
-        </p:txBody>
-      </p:sp>
-    </p:spTree>
-    <p:extLst>
-      <p:ext uri="{BB962C8B-B14F-4D97-AF65-F5344CB8AC3E}">
-        <p14:creationId xmlns:p14="http://schemas.microsoft.com/office/powerpoint/2010/main" val="2560157698"/>
-      </p:ext>
-    </p:extLst>
-  </p:cSld>
-  <p:clrMapOvr>
-    <a:masterClrMapping/>
-  </p:clrMapOvr>
-</p:sld>
-</file>
-
-<file path=ppt/slides/slide8.xml><?xml version="1.0" encoding="utf-8"?>
-<p:sld xmlns:a="http://schemas.openxmlformats.org/drawingml/2006/main" xmlns:r="http://schemas.openxmlformats.org/officeDocument/2006/relationships" xmlns:p="http://schemas.openxmlformats.org/presentationml/2006/main">
-  <p:cSld>
-    <p:spTree>
-      <p:nvGrpSpPr>
-        <p:cNvPr id="1" name="">
-          <a:extLst>
-            <a:ext uri="{FF2B5EF4-FFF2-40B4-BE49-F238E27FC236}">
-              <a16:creationId xmlns:a16="http://schemas.microsoft.com/office/drawing/2014/main" id="{745ECB09-1D90-94B7-D73C-7EC08EED18A8}"/>
-            </a:ext>
-          </a:extLst>
-        </p:cNvPr>
-        <p:cNvGrpSpPr/>
-        <p:nvPr/>
-      </p:nvGrpSpPr>
-      <p:grpSpPr>
-        <a:xfrm>
-          <a:off x="0" y="0"/>
-          <a:ext cx="0" cy="0"/>
-          <a:chOff x="0" y="0"/>
-          <a:chExt cx="0" cy="0"/>
-        </a:xfrm>
-      </p:grpSpPr>
-      <p:sp>
-        <p:nvSpPr>
-          <p:cNvPr id="2" name="Title 1">
-            <a:extLst>
-              <a:ext uri="{FF2B5EF4-FFF2-40B4-BE49-F238E27FC236}">
-                <a16:creationId xmlns:a16="http://schemas.microsoft.com/office/drawing/2014/main" id="{50BEC35C-073B-171B-FB6C-B4D9F79254A9}"/>
-              </a:ext>
-            </a:extLst>
-          </p:cNvPr>
-          <p:cNvSpPr>
-            <a:spLocks noGrp="1"/>
-          </p:cNvSpPr>
-          <p:nvPr>
-            <p:ph type="title"/>
-          </p:nvPr>
-        </p:nvSpPr>
-        <p:spPr>
-          <a:xfrm>
-            <a:off x="3162314" y="567269"/>
-            <a:ext cx="3150053" cy="1326321"/>
-          </a:xfrm>
-        </p:spPr>
-        <p:txBody>
-          <a:bodyPr/>
-          <a:lstStyle/>
-          <a:p>
-            <a:r>
-              <a:rPr lang="en-US" dirty="0"/>
-              <a:t>Thank You</a:t>
-            </a:r>
-            <a:endParaRPr dirty="0"/>
-          </a:p>
-        </p:txBody>
-      </p:sp>
-      <p:sp>
-        <p:nvSpPr>
-          <p:cNvPr id="3" name="Content Placeholder 2">
-            <a:extLst>
-              <a:ext uri="{FF2B5EF4-FFF2-40B4-BE49-F238E27FC236}">
-                <a16:creationId xmlns:a16="http://schemas.microsoft.com/office/drawing/2014/main" id="{C2444B57-A428-5173-3813-88FE2A8ABB74}"/>
-              </a:ext>
-            </a:extLst>
-          </p:cNvPr>
-          <p:cNvSpPr>
-            <a:spLocks noGrp="1"/>
-          </p:cNvSpPr>
-          <p:nvPr>
-            <p:ph idx="1"/>
-          </p:nvPr>
-        </p:nvSpPr>
-        <p:spPr>
-          <a:xfrm>
-            <a:off x="854679" y="2315650"/>
-            <a:ext cx="7765322" cy="1654669"/>
-          </a:xfrm>
-        </p:spPr>
-        <p:txBody>
-          <a:bodyPr>
-            <a:normAutofit/>
-          </a:bodyPr>
-          <a:lstStyle/>
-          <a:p>
-            <a:pPr marL="0" indent="0">
-              <a:buNone/>
-            </a:pPr>
-            <a:r>
-              <a:rPr lang="en-US" sz="8000" dirty="0"/>
-              <a:t>Any Questions?</a:t>
-            </a:r>
-            <a:endParaRPr sz="8000" dirty="0"/>
-          </a:p>
-        </p:txBody>
-      </p:sp>
-    </p:spTree>
-    <p:extLst>
-      <p:ext uri="{BB962C8B-B14F-4D97-AF65-F5344CB8AC3E}">
-        <p14:creationId xmlns:p14="http://schemas.microsoft.com/office/powerpoint/2010/main" val="2064260129"/>
       </p:ext>
     </p:extLst>
   </p:cSld>
